--- a/DLTE-FinalProject/MyBank Banking applicationFinal.pptx
+++ b/DLTE-FinalProject/MyBank Banking applicationFinal.pptx
@@ -10,10 +10,11 @@
     <p:sldId id="261" r:id="rId4"/>
     <p:sldId id="263" r:id="rId5"/>
     <p:sldId id="264" r:id="rId6"/>
-    <p:sldId id="259" r:id="rId7"/>
-    <p:sldId id="258" r:id="rId8"/>
-    <p:sldId id="260" r:id="rId9"/>
-    <p:sldId id="262" r:id="rId10"/>
+    <p:sldId id="265" r:id="rId7"/>
+    <p:sldId id="259" r:id="rId8"/>
+    <p:sldId id="258" r:id="rId9"/>
+    <p:sldId id="260" r:id="rId10"/>
+    <p:sldId id="262" r:id="rId11"/>
   </p:sldIdLst>
   <p:sldSz cx="12192000" cy="6858000"/>
   <p:notesSz cx="6858000" cy="9144000"/>
@@ -3086,7 +3087,7 @@
           <a:p>
             <a:fld id="{40ECFC71-2634-46FD-988A-FFE1FE582C9C}" type="datetimeFigureOut">
               <a:rPr lang="en-IN" smtClean="0"/>
-              <a:t>07-05-2024</a:t>
+              <a:t>08-05-2024</a:t>
             </a:fld>
             <a:endParaRPr lang="en-IN"/>
           </a:p>
@@ -3286,7 +3287,7 @@
           <a:p>
             <a:fld id="{40ECFC71-2634-46FD-988A-FFE1FE582C9C}" type="datetimeFigureOut">
               <a:rPr lang="en-IN" smtClean="0"/>
-              <a:t>07-05-2024</a:t>
+              <a:t>08-05-2024</a:t>
             </a:fld>
             <a:endParaRPr lang="en-IN"/>
           </a:p>
@@ -3496,7 +3497,7 @@
           <a:p>
             <a:fld id="{40ECFC71-2634-46FD-988A-FFE1FE582C9C}" type="datetimeFigureOut">
               <a:rPr lang="en-IN" smtClean="0"/>
-              <a:t>07-05-2024</a:t>
+              <a:t>08-05-2024</a:t>
             </a:fld>
             <a:endParaRPr lang="en-IN"/>
           </a:p>
@@ -3696,7 +3697,7 @@
           <a:p>
             <a:fld id="{40ECFC71-2634-46FD-988A-FFE1FE582C9C}" type="datetimeFigureOut">
               <a:rPr lang="en-IN" smtClean="0"/>
-              <a:t>07-05-2024</a:t>
+              <a:t>08-05-2024</a:t>
             </a:fld>
             <a:endParaRPr lang="en-IN"/>
           </a:p>
@@ -3972,7 +3973,7 @@
           <a:p>
             <a:fld id="{40ECFC71-2634-46FD-988A-FFE1FE582C9C}" type="datetimeFigureOut">
               <a:rPr lang="en-IN" smtClean="0"/>
-              <a:t>07-05-2024</a:t>
+              <a:t>08-05-2024</a:t>
             </a:fld>
             <a:endParaRPr lang="en-IN"/>
           </a:p>
@@ -4240,7 +4241,7 @@
           <a:p>
             <a:fld id="{40ECFC71-2634-46FD-988A-FFE1FE582C9C}" type="datetimeFigureOut">
               <a:rPr lang="en-IN" smtClean="0"/>
-              <a:t>07-05-2024</a:t>
+              <a:t>08-05-2024</a:t>
             </a:fld>
             <a:endParaRPr lang="en-IN"/>
           </a:p>
@@ -4655,7 +4656,7 @@
           <a:p>
             <a:fld id="{40ECFC71-2634-46FD-988A-FFE1FE582C9C}" type="datetimeFigureOut">
               <a:rPr lang="en-IN" smtClean="0"/>
-              <a:t>07-05-2024</a:t>
+              <a:t>08-05-2024</a:t>
             </a:fld>
             <a:endParaRPr lang="en-IN"/>
           </a:p>
@@ -4797,7 +4798,7 @@
           <a:p>
             <a:fld id="{40ECFC71-2634-46FD-988A-FFE1FE582C9C}" type="datetimeFigureOut">
               <a:rPr lang="en-IN" smtClean="0"/>
-              <a:t>07-05-2024</a:t>
+              <a:t>08-05-2024</a:t>
             </a:fld>
             <a:endParaRPr lang="en-IN"/>
           </a:p>
@@ -4910,7 +4911,7 @@
           <a:p>
             <a:fld id="{40ECFC71-2634-46FD-988A-FFE1FE582C9C}" type="datetimeFigureOut">
               <a:rPr lang="en-IN" smtClean="0"/>
-              <a:t>07-05-2024</a:t>
+              <a:t>08-05-2024</a:t>
             </a:fld>
             <a:endParaRPr lang="en-IN"/>
           </a:p>
@@ -5223,7 +5224,7 @@
           <a:p>
             <a:fld id="{40ECFC71-2634-46FD-988A-FFE1FE582C9C}" type="datetimeFigureOut">
               <a:rPr lang="en-IN" smtClean="0"/>
-              <a:t>07-05-2024</a:t>
+              <a:t>08-05-2024</a:t>
             </a:fld>
             <a:endParaRPr lang="en-IN"/>
           </a:p>
@@ -5512,7 +5513,7 @@
           <a:p>
             <a:fld id="{40ECFC71-2634-46FD-988A-FFE1FE582C9C}" type="datetimeFigureOut">
               <a:rPr lang="en-IN" smtClean="0"/>
-              <a:t>07-05-2024</a:t>
+              <a:t>08-05-2024</a:t>
             </a:fld>
             <a:endParaRPr lang="en-IN"/>
           </a:p>
@@ -5755,7 +5756,7 @@
           <a:p>
             <a:fld id="{40ECFC71-2634-46FD-988A-FFE1FE582C9C}" type="datetimeFigureOut">
               <a:rPr lang="en-IN" smtClean="0"/>
-              <a:t>07-05-2024</a:t>
+              <a:t>08-05-2024</a:t>
             </a:fld>
             <a:endParaRPr lang="en-IN"/>
           </a:p>
@@ -7361,6 +7362,883 @@
 </p:sld>
 </file>
 
+<file path=ppt/slides/slide10.xml><?xml version="1.0" encoding="utf-8"?>
+<p:sld xmlns:a="http://schemas.openxmlformats.org/drawingml/2006/main" xmlns:r="http://schemas.openxmlformats.org/officeDocument/2006/relationships" xmlns:p="http://schemas.openxmlformats.org/presentationml/2006/main">
+  <p:cSld>
+    <p:bg>
+      <p:bgPr>
+        <a:solidFill>
+          <a:schemeClr val="bg1"/>
+        </a:solidFill>
+        <a:effectLst/>
+      </p:bgPr>
+    </p:bg>
+    <p:spTree>
+      <p:nvGrpSpPr>
+        <p:cNvPr id="1" name=""/>
+        <p:cNvGrpSpPr/>
+        <p:nvPr/>
+      </p:nvGrpSpPr>
+      <p:grpSpPr>
+        <a:xfrm>
+          <a:off x="0" y="0"/>
+          <a:ext cx="0" cy="0"/>
+          <a:chOff x="0" y="0"/>
+          <a:chExt cx="0" cy="0"/>
+        </a:xfrm>
+      </p:grpSpPr>
+      <p:sp useBgFill="1">
+        <p:nvSpPr>
+          <p:cNvPr id="38" name="Rectangle 37">
+            <a:extLst>
+              <a:ext uri="{FF2B5EF4-FFF2-40B4-BE49-F238E27FC236}">
+                <a16:creationId xmlns:a16="http://schemas.microsoft.com/office/drawing/2014/main" id="{7B831B6F-405A-4B47-B9BB-5CA88F285844}"/>
+              </a:ext>
+              <a:ext uri="{C183D7F6-B498-43B3-948B-1728B52AA6E4}">
+                <adec:decorative xmlns:adec="http://schemas.microsoft.com/office/drawing/2017/decorative" val="1"/>
+              </a:ext>
+            </a:extLst>
+          </p:cNvPr>
+          <p:cNvSpPr>
+            <a:spLocks noGrp="1" noRot="1" noChangeAspect="1" noMove="1" noResize="1" noEditPoints="1" noAdjustHandles="1" noChangeArrowheads="1" noChangeShapeType="1" noTextEdit="1"/>
+          </p:cNvSpPr>
+          <p:nvPr>
+            <p:extLst>
+              <p:ext uri="{386F3935-93C4-4BCD-93E2-E3B085C9AB24}">
+                <p16:designElem xmlns:p16="http://schemas.microsoft.com/office/powerpoint/2015/main" val="1"/>
+              </p:ext>
+            </p:extLst>
+          </p:nvPr>
+        </p:nvSpPr>
+        <p:spPr>
+          <a:xfrm>
+            <a:off x="0" y="0"/>
+            <a:ext cx="12192000" cy="6858000"/>
+          </a:xfrm>
+          <a:prstGeom prst="rect">
+            <a:avLst/>
+          </a:prstGeom>
+          <a:ln>
+            <a:noFill/>
+          </a:ln>
+        </p:spPr>
+        <p:style>
+          <a:lnRef idx="2">
+            <a:schemeClr val="accent1">
+              <a:shade val="50000"/>
+            </a:schemeClr>
+          </a:lnRef>
+          <a:fillRef idx="1">
+            <a:schemeClr val="accent1"/>
+          </a:fillRef>
+          <a:effectRef idx="0">
+            <a:schemeClr val="accent1"/>
+          </a:effectRef>
+          <a:fontRef idx="minor">
+            <a:schemeClr val="lt1"/>
+          </a:fontRef>
+        </p:style>
+        <p:txBody>
+          <a:bodyPr rtlCol="0" anchor="ctr"/>
+          <a:lstStyle/>
+          <a:p>
+            <a:pPr algn="ctr"/>
+            <a:endParaRPr lang="en-US"/>
+          </a:p>
+        </p:txBody>
+      </p:sp>
+      <p:pic>
+        <p:nvPicPr>
+          <p:cNvPr id="7" name="Graphic 6" descr="Lollipop">
+            <a:extLst>
+              <a:ext uri="{FF2B5EF4-FFF2-40B4-BE49-F238E27FC236}">
+                <a16:creationId xmlns:a16="http://schemas.microsoft.com/office/drawing/2014/main" id="{A68818E0-7D3F-66E9-F6D4-5E50B247B194}"/>
+              </a:ext>
+            </a:extLst>
+          </p:cNvPr>
+          <p:cNvPicPr>
+            <a:picLocks noChangeAspect="1"/>
+          </p:cNvPicPr>
+          <p:nvPr/>
+        </p:nvPicPr>
+        <p:blipFill>
+          <a:blip r:embed="rId2">
+            <a:extLst>
+              <a:ext uri="{28A0092B-C50C-407E-A947-70E740481C1C}">
+                <a14:useLocalDpi xmlns:a14="http://schemas.microsoft.com/office/drawing/2010/main" val="0"/>
+              </a:ext>
+              <a:ext uri="{96DAC541-7B7A-43D3-8B79-37D633B846F1}">
+                <asvg:svgBlip xmlns:asvg="http://schemas.microsoft.com/office/drawing/2016/SVG/main" r:embed="rId3"/>
+              </a:ext>
+            </a:extLst>
+          </a:blip>
+          <a:stretch>
+            <a:fillRect/>
+          </a:stretch>
+        </p:blipFill>
+        <p:spPr>
+          <a:xfrm>
+            <a:off x="764988" y="1744515"/>
+            <a:ext cx="3368969" cy="3368969"/>
+          </a:xfrm>
+          <a:prstGeom prst="rect">
+            <a:avLst/>
+          </a:prstGeom>
+        </p:spPr>
+      </p:pic>
+      <p:sp>
+        <p:nvSpPr>
+          <p:cNvPr id="39" name="Freeform: Shape 38">
+            <a:extLst>
+              <a:ext uri="{FF2B5EF4-FFF2-40B4-BE49-F238E27FC236}">
+                <a16:creationId xmlns:a16="http://schemas.microsoft.com/office/drawing/2014/main" id="{15109354-9C5D-4F8C-B0E6-D1043C7BF20A}"/>
+              </a:ext>
+              <a:ext uri="{C183D7F6-B498-43B3-948B-1728B52AA6E4}">
+                <adec:decorative xmlns:adec="http://schemas.microsoft.com/office/drawing/2017/decorative" val="1"/>
+              </a:ext>
+            </a:extLst>
+          </p:cNvPr>
+          <p:cNvSpPr>
+            <a:spLocks noGrp="1" noRot="1" noChangeAspect="1" noMove="1" noResize="1" noEditPoints="1" noAdjustHandles="1" noChangeArrowheads="1" noChangeShapeType="1" noTextEdit="1"/>
+          </p:cNvSpPr>
+          <p:nvPr>
+            <p:extLst>
+              <p:ext uri="{386F3935-93C4-4BCD-93E2-E3B085C9AB24}">
+                <p16:designElem xmlns:p16="http://schemas.microsoft.com/office/powerpoint/2015/main" val="1"/>
+              </p:ext>
+            </p:extLst>
+          </p:nvPr>
+        </p:nvSpPr>
+        <p:spPr>
+          <a:xfrm>
+            <a:off x="4629992" y="0"/>
+            <a:ext cx="7562008" cy="6858000"/>
+          </a:xfrm>
+          <a:custGeom>
+            <a:avLst/>
+            <a:gdLst>
+              <a:gd name="connsiteX0" fmla="*/ 7529613 w 7529613"/>
+              <a:gd name="connsiteY0" fmla="*/ 0 h 6858000"/>
+              <a:gd name="connsiteX1" fmla="*/ 1222331 w 7529613"/>
+              <a:gd name="connsiteY1" fmla="*/ 0 h 6858000"/>
+              <a:gd name="connsiteX2" fmla="*/ 1126483 w 7529613"/>
+              <a:gd name="connsiteY2" fmla="*/ 148742 h 6858000"/>
+              <a:gd name="connsiteX3" fmla="*/ 767554 w 7529613"/>
+              <a:gd name="connsiteY3" fmla="*/ 819975 h 6858000"/>
+              <a:gd name="connsiteX4" fmla="*/ 742103 w 7529613"/>
+              <a:gd name="connsiteY4" fmla="*/ 854514 h 6858000"/>
+              <a:gd name="connsiteX5" fmla="*/ 785881 w 7529613"/>
+              <a:gd name="connsiteY5" fmla="*/ 750263 h 6858000"/>
+              <a:gd name="connsiteX6" fmla="*/ 978978 w 7529613"/>
+              <a:gd name="connsiteY6" fmla="*/ 331786 h 6858000"/>
+              <a:gd name="connsiteX7" fmla="*/ 1155717 w 7529613"/>
+              <a:gd name="connsiteY7" fmla="*/ 0 h 6858000"/>
+              <a:gd name="connsiteX8" fmla="*/ 1098249 w 7529613"/>
+              <a:gd name="connsiteY8" fmla="*/ 0 h 6858000"/>
+              <a:gd name="connsiteX9" fmla="*/ 991458 w 7529613"/>
+              <a:gd name="connsiteY9" fmla="*/ 196614 h 6858000"/>
+              <a:gd name="connsiteX10" fmla="*/ 493941 w 7529613"/>
+              <a:gd name="connsiteY10" fmla="*/ 1371196 h 6858000"/>
+              <a:gd name="connsiteX11" fmla="*/ 46485 w 7529613"/>
+              <a:gd name="connsiteY11" fmla="*/ 3331516 h 6858000"/>
+              <a:gd name="connsiteX12" fmla="*/ 12252 w 7529613"/>
+              <a:gd name="connsiteY12" fmla="*/ 4357388 h 6858000"/>
+              <a:gd name="connsiteX13" fmla="*/ 170821 w 7529613"/>
+              <a:gd name="connsiteY13" fmla="*/ 5552906 h 6858000"/>
+              <a:gd name="connsiteX14" fmla="*/ 537265 w 7529613"/>
+              <a:gd name="connsiteY14" fmla="*/ 6828295 h 6858000"/>
+              <a:gd name="connsiteX15" fmla="*/ 549692 w 7529613"/>
+              <a:gd name="connsiteY15" fmla="*/ 6858000 h 6858000"/>
+              <a:gd name="connsiteX16" fmla="*/ 602234 w 7529613"/>
+              <a:gd name="connsiteY16" fmla="*/ 6858000 h 6858000"/>
+              <a:gd name="connsiteX17" fmla="*/ 595414 w 7529613"/>
+              <a:gd name="connsiteY17" fmla="*/ 6841549 h 6858000"/>
+              <a:gd name="connsiteX18" fmla="*/ 364260 w 7529613"/>
+              <a:gd name="connsiteY18" fmla="*/ 6142729 h 6858000"/>
+              <a:gd name="connsiteX19" fmla="*/ 213071 w 7529613"/>
+              <a:gd name="connsiteY19" fmla="*/ 5513923 h 6858000"/>
+              <a:gd name="connsiteX20" fmla="*/ 211290 w 7529613"/>
+              <a:gd name="connsiteY20" fmla="*/ 5480401 h 6858000"/>
+              <a:gd name="connsiteX21" fmla="*/ 311446 w 7529613"/>
+              <a:gd name="connsiteY21" fmla="*/ 5830359 h 6858000"/>
+              <a:gd name="connsiteX22" fmla="*/ 622963 w 7529613"/>
+              <a:gd name="connsiteY22" fmla="*/ 6670527 h 6858000"/>
+              <a:gd name="connsiteX23" fmla="*/ 710464 w 7529613"/>
+              <a:gd name="connsiteY23" fmla="*/ 6858000 h 6858000"/>
+              <a:gd name="connsiteX24" fmla="*/ 7529613 w 7529613"/>
+              <a:gd name="connsiteY24" fmla="*/ 6858000 h 6858000"/>
+            </a:gdLst>
+            <a:ahLst/>
+            <a:cxnLst>
+              <a:cxn ang="0">
+                <a:pos x="connsiteX0" y="connsiteY0"/>
+              </a:cxn>
+              <a:cxn ang="0">
+                <a:pos x="connsiteX1" y="connsiteY1"/>
+              </a:cxn>
+              <a:cxn ang="0">
+                <a:pos x="connsiteX2" y="connsiteY2"/>
+              </a:cxn>
+              <a:cxn ang="0">
+                <a:pos x="connsiteX3" y="connsiteY3"/>
+              </a:cxn>
+              <a:cxn ang="0">
+                <a:pos x="connsiteX4" y="connsiteY4"/>
+              </a:cxn>
+              <a:cxn ang="0">
+                <a:pos x="connsiteX5" y="connsiteY5"/>
+              </a:cxn>
+              <a:cxn ang="0">
+                <a:pos x="connsiteX6" y="connsiteY6"/>
+              </a:cxn>
+              <a:cxn ang="0">
+                <a:pos x="connsiteX7" y="connsiteY7"/>
+              </a:cxn>
+              <a:cxn ang="0">
+                <a:pos x="connsiteX8" y="connsiteY8"/>
+              </a:cxn>
+              <a:cxn ang="0">
+                <a:pos x="connsiteX9" y="connsiteY9"/>
+              </a:cxn>
+              <a:cxn ang="0">
+                <a:pos x="connsiteX10" y="connsiteY10"/>
+              </a:cxn>
+              <a:cxn ang="0">
+                <a:pos x="connsiteX11" y="connsiteY11"/>
+              </a:cxn>
+              <a:cxn ang="0">
+                <a:pos x="connsiteX12" y="connsiteY12"/>
+              </a:cxn>
+              <a:cxn ang="0">
+                <a:pos x="connsiteX13" y="connsiteY13"/>
+              </a:cxn>
+              <a:cxn ang="0">
+                <a:pos x="connsiteX14" y="connsiteY14"/>
+              </a:cxn>
+              <a:cxn ang="0">
+                <a:pos x="connsiteX15" y="connsiteY15"/>
+              </a:cxn>
+              <a:cxn ang="0">
+                <a:pos x="connsiteX16" y="connsiteY16"/>
+              </a:cxn>
+              <a:cxn ang="0">
+                <a:pos x="connsiteX17" y="connsiteY17"/>
+              </a:cxn>
+              <a:cxn ang="0">
+                <a:pos x="connsiteX18" y="connsiteY18"/>
+              </a:cxn>
+              <a:cxn ang="0">
+                <a:pos x="connsiteX19" y="connsiteY19"/>
+              </a:cxn>
+              <a:cxn ang="0">
+                <a:pos x="connsiteX20" y="connsiteY20"/>
+              </a:cxn>
+              <a:cxn ang="0">
+                <a:pos x="connsiteX21" y="connsiteY21"/>
+              </a:cxn>
+              <a:cxn ang="0">
+                <a:pos x="connsiteX22" y="connsiteY22"/>
+              </a:cxn>
+              <a:cxn ang="0">
+                <a:pos x="connsiteX23" y="connsiteY23"/>
+              </a:cxn>
+              <a:cxn ang="0">
+                <a:pos x="connsiteX24" y="connsiteY24"/>
+              </a:cxn>
+            </a:cxnLst>
+            <a:rect l="l" t="t" r="r" b="b"/>
+            <a:pathLst>
+              <a:path w="7529613" h="6858000">
+                <a:moveTo>
+                  <a:pt x="7529613" y="0"/>
+                </a:moveTo>
+                <a:lnTo>
+                  <a:pt x="1222331" y="0"/>
+                </a:lnTo>
+                <a:lnTo>
+                  <a:pt x="1126483" y="148742"/>
+                </a:lnTo>
+                <a:cubicBezTo>
+                  <a:pt x="995323" y="365513"/>
+                  <a:pt x="876174" y="589569"/>
+                  <a:pt x="767554" y="819975"/>
+                </a:cubicBezTo>
+                <a:cubicBezTo>
+                  <a:pt x="762210" y="833492"/>
+                  <a:pt x="753441" y="845393"/>
+                  <a:pt x="742103" y="854514"/>
+                </a:cubicBezTo>
+                <a:cubicBezTo>
+                  <a:pt x="756737" y="819849"/>
+                  <a:pt x="770991" y="784928"/>
+                  <a:pt x="785881" y="750263"/>
+                </a:cubicBezTo>
+                <a:cubicBezTo>
+                  <a:pt x="846713" y="608712"/>
+                  <a:pt x="910948" y="469145"/>
+                  <a:pt x="978978" y="331786"/>
+                </a:cubicBezTo>
+                <a:lnTo>
+                  <a:pt x="1155717" y="0"/>
+                </a:lnTo>
+                <a:lnTo>
+                  <a:pt x="1098249" y="0"/>
+                </a:lnTo>
+                <a:lnTo>
+                  <a:pt x="991458" y="196614"/>
+                </a:lnTo>
+                <a:cubicBezTo>
+                  <a:pt x="797017" y="573253"/>
+                  <a:pt x="633548" y="966066"/>
+                  <a:pt x="493941" y="1371196"/>
+                </a:cubicBezTo>
+                <a:cubicBezTo>
+                  <a:pt x="276630" y="2007265"/>
+                  <a:pt x="126659" y="2664286"/>
+                  <a:pt x="46485" y="3331516"/>
+                </a:cubicBezTo>
+                <a:cubicBezTo>
+                  <a:pt x="4488" y="3672965"/>
+                  <a:pt x="-14219" y="4013908"/>
+                  <a:pt x="12252" y="4357388"/>
+                </a:cubicBezTo>
+                <a:cubicBezTo>
+                  <a:pt x="43558" y="4758899"/>
+                  <a:pt x="90773" y="5157998"/>
+                  <a:pt x="170821" y="5552906"/>
+                </a:cubicBezTo>
+                <a:cubicBezTo>
+                  <a:pt x="259109" y="5988893"/>
+                  <a:pt x="378967" y="6414594"/>
+                  <a:pt x="537265" y="6828295"/>
+                </a:cubicBezTo>
+                <a:lnTo>
+                  <a:pt x="549692" y="6858000"/>
+                </a:lnTo>
+                <a:lnTo>
+                  <a:pt x="602234" y="6858000"/>
+                </a:lnTo>
+                <a:lnTo>
+                  <a:pt x="595414" y="6841549"/>
+                </a:lnTo>
+                <a:cubicBezTo>
+                  <a:pt x="507884" y="6614016"/>
+                  <a:pt x="431296" y="6380817"/>
+                  <a:pt x="364260" y="6142729"/>
+                </a:cubicBezTo>
+                <a:cubicBezTo>
+                  <a:pt x="305974" y="5935370"/>
+                  <a:pt x="262958" y="5723695"/>
+                  <a:pt x="213071" y="5513923"/>
+                </a:cubicBezTo>
+                <a:cubicBezTo>
+                  <a:pt x="211892" y="5502788"/>
+                  <a:pt x="211299" y="5491601"/>
+                  <a:pt x="211290" y="5480401"/>
+                </a:cubicBezTo>
+                <a:cubicBezTo>
+                  <a:pt x="247814" y="5607635"/>
+                  <a:pt x="276958" y="5719759"/>
+                  <a:pt x="311446" y="5830359"/>
+                </a:cubicBezTo>
+                <a:cubicBezTo>
+                  <a:pt x="401357" y="6118381"/>
+                  <a:pt x="505060" y="6398531"/>
+                  <a:pt x="622963" y="6670527"/>
+                </a:cubicBezTo>
+                <a:lnTo>
+                  <a:pt x="710464" y="6858000"/>
+                </a:lnTo>
+                <a:lnTo>
+                  <a:pt x="7529613" y="6858000"/>
+                </a:lnTo>
+                <a:close/>
+              </a:path>
+            </a:pathLst>
+          </a:custGeom>
+          <a:solidFill>
+            <a:schemeClr val="accent2"/>
+          </a:solidFill>
+          <a:ln w="6857" cap="flat">
+            <a:noFill/>
+            <a:prstDash val="solid"/>
+            <a:miter/>
+          </a:ln>
+        </p:spPr>
+        <p:txBody>
+          <a:bodyPr wrap="square" rtlCol="0" anchor="ctr">
+            <a:noAutofit/>
+          </a:bodyPr>
+          <a:lstStyle/>
+          <a:p>
+            <a:endParaRPr lang="en-US"/>
+          </a:p>
+        </p:txBody>
+      </p:sp>
+      <p:sp>
+        <p:nvSpPr>
+          <p:cNvPr id="2" name="Title 1">
+            <a:extLst>
+              <a:ext uri="{FF2B5EF4-FFF2-40B4-BE49-F238E27FC236}">
+                <a16:creationId xmlns:a16="http://schemas.microsoft.com/office/drawing/2014/main" id="{90E6DE97-5E5D-4A89-29C3-7F44929BEEFC}"/>
+              </a:ext>
+            </a:extLst>
+          </p:cNvPr>
+          <p:cNvSpPr>
+            <a:spLocks noGrp="1"/>
+          </p:cNvSpPr>
+          <p:nvPr>
+            <p:ph type="title"/>
+          </p:nvPr>
+        </p:nvSpPr>
+        <p:spPr>
+          <a:xfrm>
+            <a:off x="5759354" y="457201"/>
+            <a:ext cx="5337270" cy="1835911"/>
+          </a:xfrm>
+        </p:spPr>
+        <p:txBody>
+          <a:bodyPr anchor="b">
+            <a:normAutofit/>
+          </a:bodyPr>
+          <a:lstStyle/>
+          <a:p>
+            <a:endParaRPr lang="en-US" sz="5400">
+              <a:solidFill>
+                <a:srgbClr val="FFFFFF"/>
+              </a:solidFill>
+            </a:endParaRPr>
+          </a:p>
+        </p:txBody>
+      </p:sp>
+      <p:sp>
+        <p:nvSpPr>
+          <p:cNvPr id="40" name="sketch line">
+            <a:extLst>
+              <a:ext uri="{FF2B5EF4-FFF2-40B4-BE49-F238E27FC236}">
+                <a16:creationId xmlns:a16="http://schemas.microsoft.com/office/drawing/2014/main" id="{49B530FE-A87D-41A0-A920-ADC6539EAA44}"/>
+              </a:ext>
+              <a:ext uri="{C183D7F6-B498-43B3-948B-1728B52AA6E4}">
+                <adec:decorative xmlns:adec="http://schemas.microsoft.com/office/drawing/2017/decorative" val="1"/>
+              </a:ext>
+            </a:extLst>
+          </p:cNvPr>
+          <p:cNvSpPr>
+            <a:spLocks noGrp="1" noRot="1" noChangeAspect="1" noMove="1" noResize="1" noEditPoints="1" noAdjustHandles="1" noChangeArrowheads="1" noChangeShapeType="1" noTextEdit="1"/>
+          </p:cNvSpPr>
+          <p:nvPr>
+            <p:extLst>
+              <p:ext uri="{386F3935-93C4-4BCD-93E2-E3B085C9AB24}">
+                <p16:designElem xmlns:p16="http://schemas.microsoft.com/office/powerpoint/2015/main" val="1"/>
+              </p:ext>
+            </p:extLst>
+          </p:nvPr>
+        </p:nvSpPr>
+        <p:spPr>
+          <a:xfrm>
+            <a:off x="5759353" y="2560829"/>
+            <a:ext cx="5029200" cy="18288"/>
+          </a:xfrm>
+          <a:custGeom>
+            <a:avLst/>
+            <a:gdLst>
+              <a:gd name="connsiteX0" fmla="*/ 0 w 5029200"/>
+              <a:gd name="connsiteY0" fmla="*/ 0 h 18288"/>
+              <a:gd name="connsiteX1" fmla="*/ 528066 w 5029200"/>
+              <a:gd name="connsiteY1" fmla="*/ 0 h 18288"/>
+              <a:gd name="connsiteX2" fmla="*/ 1207008 w 5029200"/>
+              <a:gd name="connsiteY2" fmla="*/ 0 h 18288"/>
+              <a:gd name="connsiteX3" fmla="*/ 1785366 w 5029200"/>
+              <a:gd name="connsiteY3" fmla="*/ 0 h 18288"/>
+              <a:gd name="connsiteX4" fmla="*/ 2313432 w 5029200"/>
+              <a:gd name="connsiteY4" fmla="*/ 0 h 18288"/>
+              <a:gd name="connsiteX5" fmla="*/ 2992374 w 5029200"/>
+              <a:gd name="connsiteY5" fmla="*/ 0 h 18288"/>
+              <a:gd name="connsiteX6" fmla="*/ 3621024 w 5029200"/>
+              <a:gd name="connsiteY6" fmla="*/ 0 h 18288"/>
+              <a:gd name="connsiteX7" fmla="*/ 4249674 w 5029200"/>
+              <a:gd name="connsiteY7" fmla="*/ 0 h 18288"/>
+              <a:gd name="connsiteX8" fmla="*/ 5029200 w 5029200"/>
+              <a:gd name="connsiteY8" fmla="*/ 0 h 18288"/>
+              <a:gd name="connsiteX9" fmla="*/ 5029200 w 5029200"/>
+              <a:gd name="connsiteY9" fmla="*/ 18288 h 18288"/>
+              <a:gd name="connsiteX10" fmla="*/ 4501134 w 5029200"/>
+              <a:gd name="connsiteY10" fmla="*/ 18288 h 18288"/>
+              <a:gd name="connsiteX11" fmla="*/ 4023360 w 5029200"/>
+              <a:gd name="connsiteY11" fmla="*/ 18288 h 18288"/>
+              <a:gd name="connsiteX12" fmla="*/ 3344418 w 5029200"/>
+              <a:gd name="connsiteY12" fmla="*/ 18288 h 18288"/>
+              <a:gd name="connsiteX13" fmla="*/ 2816352 w 5029200"/>
+              <a:gd name="connsiteY13" fmla="*/ 18288 h 18288"/>
+              <a:gd name="connsiteX14" fmla="*/ 2137410 w 5029200"/>
+              <a:gd name="connsiteY14" fmla="*/ 18288 h 18288"/>
+              <a:gd name="connsiteX15" fmla="*/ 1408176 w 5029200"/>
+              <a:gd name="connsiteY15" fmla="*/ 18288 h 18288"/>
+              <a:gd name="connsiteX16" fmla="*/ 829818 w 5029200"/>
+              <a:gd name="connsiteY16" fmla="*/ 18288 h 18288"/>
+              <a:gd name="connsiteX17" fmla="*/ 0 w 5029200"/>
+              <a:gd name="connsiteY17" fmla="*/ 18288 h 18288"/>
+              <a:gd name="connsiteX18" fmla="*/ 0 w 5029200"/>
+              <a:gd name="connsiteY18" fmla="*/ 0 h 18288"/>
+            </a:gdLst>
+            <a:ahLst/>
+            <a:cxnLst>
+              <a:cxn ang="0">
+                <a:pos x="connsiteX0" y="connsiteY0"/>
+              </a:cxn>
+              <a:cxn ang="0">
+                <a:pos x="connsiteX1" y="connsiteY1"/>
+              </a:cxn>
+              <a:cxn ang="0">
+                <a:pos x="connsiteX2" y="connsiteY2"/>
+              </a:cxn>
+              <a:cxn ang="0">
+                <a:pos x="connsiteX3" y="connsiteY3"/>
+              </a:cxn>
+              <a:cxn ang="0">
+                <a:pos x="connsiteX4" y="connsiteY4"/>
+              </a:cxn>
+              <a:cxn ang="0">
+                <a:pos x="connsiteX5" y="connsiteY5"/>
+              </a:cxn>
+              <a:cxn ang="0">
+                <a:pos x="connsiteX6" y="connsiteY6"/>
+              </a:cxn>
+              <a:cxn ang="0">
+                <a:pos x="connsiteX7" y="connsiteY7"/>
+              </a:cxn>
+              <a:cxn ang="0">
+                <a:pos x="connsiteX8" y="connsiteY8"/>
+              </a:cxn>
+              <a:cxn ang="0">
+                <a:pos x="connsiteX9" y="connsiteY9"/>
+              </a:cxn>
+              <a:cxn ang="0">
+                <a:pos x="connsiteX10" y="connsiteY10"/>
+              </a:cxn>
+              <a:cxn ang="0">
+                <a:pos x="connsiteX11" y="connsiteY11"/>
+              </a:cxn>
+              <a:cxn ang="0">
+                <a:pos x="connsiteX12" y="connsiteY12"/>
+              </a:cxn>
+              <a:cxn ang="0">
+                <a:pos x="connsiteX13" y="connsiteY13"/>
+              </a:cxn>
+              <a:cxn ang="0">
+                <a:pos x="connsiteX14" y="connsiteY14"/>
+              </a:cxn>
+              <a:cxn ang="0">
+                <a:pos x="connsiteX15" y="connsiteY15"/>
+              </a:cxn>
+              <a:cxn ang="0">
+                <a:pos x="connsiteX16" y="connsiteY16"/>
+              </a:cxn>
+              <a:cxn ang="0">
+                <a:pos x="connsiteX17" y="connsiteY17"/>
+              </a:cxn>
+              <a:cxn ang="0">
+                <a:pos x="connsiteX18" y="connsiteY18"/>
+              </a:cxn>
+            </a:cxnLst>
+            <a:rect l="l" t="t" r="r" b="b"/>
+            <a:pathLst>
+              <a:path w="5029200" h="18288" fill="none" extrusionOk="0">
+                <a:moveTo>
+                  <a:pt x="0" y="0"/>
+                </a:moveTo>
+                <a:cubicBezTo>
+                  <a:pt x="142937" y="1696"/>
+                  <a:pt x="371859" y="12840"/>
+                  <a:pt x="528066" y="0"/>
+                </a:cubicBezTo>
+                <a:cubicBezTo>
+                  <a:pt x="684273" y="-12840"/>
+                  <a:pt x="928949" y="-5725"/>
+                  <a:pt x="1207008" y="0"/>
+                </a:cubicBezTo>
+                <a:cubicBezTo>
+                  <a:pt x="1485067" y="5725"/>
+                  <a:pt x="1562886" y="-21331"/>
+                  <a:pt x="1785366" y="0"/>
+                </a:cubicBezTo>
+                <a:cubicBezTo>
+                  <a:pt x="2007846" y="21331"/>
+                  <a:pt x="2056226" y="25221"/>
+                  <a:pt x="2313432" y="0"/>
+                </a:cubicBezTo>
+                <a:cubicBezTo>
+                  <a:pt x="2570638" y="-25221"/>
+                  <a:pt x="2732455" y="16294"/>
+                  <a:pt x="2992374" y="0"/>
+                </a:cubicBezTo>
+                <a:cubicBezTo>
+                  <a:pt x="3252293" y="-16294"/>
+                  <a:pt x="3319267" y="-29774"/>
+                  <a:pt x="3621024" y="0"/>
+                </a:cubicBezTo>
+                <a:cubicBezTo>
+                  <a:pt x="3922781" y="29774"/>
+                  <a:pt x="3998107" y="-1004"/>
+                  <a:pt x="4249674" y="0"/>
+                </a:cubicBezTo>
+                <a:cubicBezTo>
+                  <a:pt x="4501241" y="1004"/>
+                  <a:pt x="4792523" y="-4510"/>
+                  <a:pt x="5029200" y="0"/>
+                </a:cubicBezTo>
+                <a:cubicBezTo>
+                  <a:pt x="5029730" y="6954"/>
+                  <a:pt x="5029934" y="12839"/>
+                  <a:pt x="5029200" y="18288"/>
+                </a:cubicBezTo>
+                <a:cubicBezTo>
+                  <a:pt x="4805432" y="23154"/>
+                  <a:pt x="4715801" y="17034"/>
+                  <a:pt x="4501134" y="18288"/>
+                </a:cubicBezTo>
+                <a:cubicBezTo>
+                  <a:pt x="4286467" y="19542"/>
+                  <a:pt x="4193719" y="41701"/>
+                  <a:pt x="4023360" y="18288"/>
+                </a:cubicBezTo>
+                <a:cubicBezTo>
+                  <a:pt x="3853001" y="-5125"/>
+                  <a:pt x="3676466" y="16909"/>
+                  <a:pt x="3344418" y="18288"/>
+                </a:cubicBezTo>
+                <a:cubicBezTo>
+                  <a:pt x="3012370" y="19667"/>
+                  <a:pt x="2945824" y="14410"/>
+                  <a:pt x="2816352" y="18288"/>
+                </a:cubicBezTo>
+                <a:cubicBezTo>
+                  <a:pt x="2686880" y="22166"/>
+                  <a:pt x="2438351" y="13507"/>
+                  <a:pt x="2137410" y="18288"/>
+                </a:cubicBezTo>
+                <a:cubicBezTo>
+                  <a:pt x="1836469" y="23069"/>
+                  <a:pt x="1581391" y="46111"/>
+                  <a:pt x="1408176" y="18288"/>
+                </a:cubicBezTo>
+                <a:cubicBezTo>
+                  <a:pt x="1234961" y="-9535"/>
+                  <a:pt x="1040489" y="-7495"/>
+                  <a:pt x="829818" y="18288"/>
+                </a:cubicBezTo>
+                <a:cubicBezTo>
+                  <a:pt x="619147" y="44071"/>
+                  <a:pt x="238626" y="37568"/>
+                  <a:pt x="0" y="18288"/>
+                </a:cubicBezTo>
+                <a:cubicBezTo>
+                  <a:pt x="-570" y="9279"/>
+                  <a:pt x="132" y="5100"/>
+                  <a:pt x="0" y="0"/>
+                </a:cubicBezTo>
+                <a:close/>
+              </a:path>
+              <a:path w="5029200" h="18288" stroke="0" extrusionOk="0">
+                <a:moveTo>
+                  <a:pt x="0" y="0"/>
+                </a:moveTo>
+                <a:cubicBezTo>
+                  <a:pt x="165412" y="-21137"/>
+                  <a:pt x="322344" y="-21985"/>
+                  <a:pt x="578358" y="0"/>
+                </a:cubicBezTo>
+                <a:cubicBezTo>
+                  <a:pt x="834372" y="21985"/>
+                  <a:pt x="907099" y="-19195"/>
+                  <a:pt x="1056132" y="0"/>
+                </a:cubicBezTo>
+                <a:cubicBezTo>
+                  <a:pt x="1205165" y="19195"/>
+                  <a:pt x="1612834" y="-24928"/>
+                  <a:pt x="1785366" y="0"/>
+                </a:cubicBezTo>
+                <a:cubicBezTo>
+                  <a:pt x="1957898" y="24928"/>
+                  <a:pt x="2149044" y="19108"/>
+                  <a:pt x="2363724" y="0"/>
+                </a:cubicBezTo>
+                <a:cubicBezTo>
+                  <a:pt x="2578404" y="-19108"/>
+                  <a:pt x="2759981" y="-21788"/>
+                  <a:pt x="2942082" y="0"/>
+                </a:cubicBezTo>
+                <a:cubicBezTo>
+                  <a:pt x="3124183" y="21788"/>
+                  <a:pt x="3482217" y="8836"/>
+                  <a:pt x="3671316" y="0"/>
+                </a:cubicBezTo>
+                <a:cubicBezTo>
+                  <a:pt x="3860415" y="-8836"/>
+                  <a:pt x="4058665" y="-25048"/>
+                  <a:pt x="4199382" y="0"/>
+                </a:cubicBezTo>
+                <a:cubicBezTo>
+                  <a:pt x="4340099" y="25048"/>
+                  <a:pt x="4735096" y="-22088"/>
+                  <a:pt x="5029200" y="0"/>
+                </a:cubicBezTo>
+                <a:cubicBezTo>
+                  <a:pt x="5028517" y="5414"/>
+                  <a:pt x="5028480" y="12510"/>
+                  <a:pt x="5029200" y="18288"/>
+                </a:cubicBezTo>
+                <a:cubicBezTo>
+                  <a:pt x="4891577" y="31493"/>
+                  <a:pt x="4684146" y="-2509"/>
+                  <a:pt x="4501134" y="18288"/>
+                </a:cubicBezTo>
+                <a:cubicBezTo>
+                  <a:pt x="4318122" y="39085"/>
+                  <a:pt x="4030703" y="3672"/>
+                  <a:pt x="3872484" y="18288"/>
+                </a:cubicBezTo>
+                <a:cubicBezTo>
+                  <a:pt x="3714265" y="32905"/>
+                  <a:pt x="3546134" y="7501"/>
+                  <a:pt x="3294126" y="18288"/>
+                </a:cubicBezTo>
+                <a:cubicBezTo>
+                  <a:pt x="3042118" y="29075"/>
+                  <a:pt x="2912116" y="11153"/>
+                  <a:pt x="2564892" y="18288"/>
+                </a:cubicBezTo>
+                <a:cubicBezTo>
+                  <a:pt x="2217668" y="25423"/>
+                  <a:pt x="2095118" y="11659"/>
+                  <a:pt x="1835658" y="18288"/>
+                </a:cubicBezTo>
+                <a:cubicBezTo>
+                  <a:pt x="1576198" y="24917"/>
+                  <a:pt x="1500897" y="19889"/>
+                  <a:pt x="1307592" y="18288"/>
+                </a:cubicBezTo>
+                <a:cubicBezTo>
+                  <a:pt x="1114287" y="16687"/>
+                  <a:pt x="961527" y="47453"/>
+                  <a:pt x="678942" y="18288"/>
+                </a:cubicBezTo>
+                <a:cubicBezTo>
+                  <a:pt x="396357" y="-10877"/>
+                  <a:pt x="271066" y="23005"/>
+                  <a:pt x="0" y="18288"/>
+                </a:cubicBezTo>
+                <a:cubicBezTo>
+                  <a:pt x="-306" y="11061"/>
+                  <a:pt x="-655" y="7751"/>
+                  <a:pt x="0" y="0"/>
+                </a:cubicBezTo>
+                <a:close/>
+              </a:path>
+            </a:pathLst>
+          </a:custGeom>
+          <a:solidFill>
+            <a:srgbClr val="FFFFFF"/>
+          </a:solidFill>
+          <a:ln w="38100" cap="rnd">
+            <a:solidFill>
+              <a:srgbClr val="FFFFFF"/>
+            </a:solidFill>
+            <a:round/>
+            <a:extLst>
+              <a:ext uri="{C807C97D-BFC1-408E-A445-0C87EB9F89A2}">
+                <ask:lineSketchStyleProps xmlns:ask="http://schemas.microsoft.com/office/drawing/2018/sketchyshapes" sd="1219033472">
+                  <a:prstGeom prst="rect">
+                    <a:avLst/>
+                  </a:prstGeom>
+                  <ask:type>
+                    <ask:lineSketchFreehand/>
+                  </ask:type>
+                </ask:lineSketchStyleProps>
+              </a:ext>
+            </a:extLst>
+          </a:ln>
+        </p:spPr>
+        <p:style>
+          <a:lnRef idx="2">
+            <a:schemeClr val="accent1">
+              <a:shade val="50000"/>
+            </a:schemeClr>
+          </a:lnRef>
+          <a:fillRef idx="1">
+            <a:schemeClr val="accent1"/>
+          </a:fillRef>
+          <a:effectRef idx="0">
+            <a:schemeClr val="accent1"/>
+          </a:effectRef>
+          <a:fontRef idx="minor">
+            <a:schemeClr val="lt1"/>
+          </a:fontRef>
+        </p:style>
+        <p:txBody>
+          <a:bodyPr rtlCol="0" anchor="ctr"/>
+          <a:lstStyle/>
+          <a:p>
+            <a:pPr algn="ctr"/>
+            <a:endParaRPr lang="en-US"/>
+          </a:p>
+        </p:txBody>
+      </p:sp>
+      <p:sp>
+        <p:nvSpPr>
+          <p:cNvPr id="3" name="Content Placeholder 2">
+            <a:extLst>
+              <a:ext uri="{FF2B5EF4-FFF2-40B4-BE49-F238E27FC236}">
+                <a16:creationId xmlns:a16="http://schemas.microsoft.com/office/drawing/2014/main" id="{1E04A83B-04F7-0EAC-693B-880737517D27}"/>
+              </a:ext>
+            </a:extLst>
+          </p:cNvPr>
+          <p:cNvSpPr>
+            <a:spLocks noGrp="1"/>
+          </p:cNvSpPr>
+          <p:nvPr>
+            <p:ph idx="1"/>
+          </p:nvPr>
+        </p:nvSpPr>
+        <p:spPr>
+          <a:xfrm>
+            <a:off x="5759354" y="2798064"/>
+            <a:ext cx="5461095" cy="3417611"/>
+          </a:xfrm>
+        </p:spPr>
+        <p:txBody>
+          <a:bodyPr anchor="t">
+            <a:normAutofit/>
+          </a:bodyPr>
+          <a:lstStyle/>
+          <a:p>
+            <a:pPr marL="0" indent="0">
+              <a:buNone/>
+            </a:pPr>
+            <a:r>
+              <a:rPr lang="en-US" sz="8800" b="1" dirty="0">
+                <a:solidFill>
+                  <a:srgbClr val="FFFFFF"/>
+                </a:solidFill>
+              </a:rPr>
+              <a:t>Thankyou</a:t>
+            </a:r>
+          </a:p>
+        </p:txBody>
+      </p:sp>
+    </p:spTree>
+    <p:extLst>
+      <p:ext uri="{BB962C8B-B14F-4D97-AF65-F5344CB8AC3E}">
+        <p14:creationId xmlns:p14="http://schemas.microsoft.com/office/powerpoint/2010/main" val="3657676489"/>
+      </p:ext>
+    </p:extLst>
+  </p:cSld>
+  <p:clrMapOvr>
+    <a:masterClrMapping/>
+  </p:clrMapOvr>
+</p:sld>
+</file>
+
 <file path=ppt/slides/slide2.xml><?xml version="1.0" encoding="utf-8"?>
 <p:sld xmlns:a="http://schemas.openxmlformats.org/drawingml/2006/main" xmlns:r="http://schemas.openxmlformats.org/officeDocument/2006/relationships" xmlns:p="http://schemas.openxmlformats.org/presentationml/2006/main">
   <p:cSld>
@@ -9232,6 +10110,546 @@
             </a:r>
           </a:p>
           <a:p>
+            <a:pPr marL="0" indent="0" algn="just">
+              <a:spcBef>
+                <a:spcPts val="1200"/>
+              </a:spcBef>
+              <a:buNone/>
+            </a:pPr>
+            <a:r>
+              <a:rPr lang="en-US" b="1" dirty="0">
+                <a:highlight>
+                  <a:srgbClr val="FFFFFF"/>
+                </a:highlight>
+                <a:latin typeface="Roboto"/>
+                <a:ea typeface="Roboto"/>
+                <a:cs typeface="Roboto"/>
+                <a:sym typeface="Roboto"/>
+              </a:rPr>
+              <a:t>Search by insurance id :</a:t>
+            </a:r>
+            <a:r>
+              <a:rPr lang="en-US" dirty="0">
+                <a:highlight>
+                  <a:srgbClr val="FFFFFF"/>
+                </a:highlight>
+                <a:latin typeface="Roboto"/>
+                <a:ea typeface="Roboto"/>
+                <a:cs typeface="Roboto"/>
+                <a:sym typeface="Roboto"/>
+              </a:rPr>
+              <a:t> User searches for the insurance available based on the insurance id. Below given are the attributes</a:t>
+            </a:r>
+            <a:endParaRPr lang="en-US" dirty="0">
+              <a:highlight>
+                <a:srgbClr val="FFFFFF"/>
+              </a:highlight>
+              <a:latin typeface="Roboto"/>
+              <a:ea typeface="Roboto"/>
+              <a:cs typeface="Roboto"/>
+            </a:endParaRPr>
+          </a:p>
+          <a:p>
+            <a:r>
+              <a:rPr lang="en-US" sz="2200" dirty="0">
+                <a:highlight>
+                  <a:srgbClr val="FFFFFF"/>
+                </a:highlight>
+                <a:latin typeface="Roboto"/>
+                <a:ea typeface="Roboto"/>
+              </a:rPr>
+              <a:t>INSURANCE_TYPE</a:t>
+            </a:r>
+          </a:p>
+          <a:p>
+            <a:r>
+              <a:rPr lang="en-US" sz="2200" dirty="0">
+                <a:highlight>
+                  <a:srgbClr val="FFFFFF"/>
+                </a:highlight>
+                <a:latin typeface="Roboto"/>
+                <a:ea typeface="Roboto"/>
+              </a:rPr>
+              <a:t>INSURANCE_NAME</a:t>
+            </a:r>
+          </a:p>
+          <a:p>
+            <a:r>
+              <a:rPr lang="en-US" sz="2200" dirty="0">
+                <a:highlight>
+                  <a:srgbClr val="FFFFFF"/>
+                </a:highlight>
+                <a:latin typeface="Roboto"/>
+                <a:ea typeface="Roboto"/>
+              </a:rPr>
+              <a:t>INSURANCE_KEY_BENEFITS</a:t>
+            </a:r>
+          </a:p>
+          <a:p>
+            <a:r>
+              <a:rPr lang="en-US" sz="2200" dirty="0">
+                <a:highlight>
+                  <a:srgbClr val="FFFFFF"/>
+                </a:highlight>
+                <a:latin typeface="Roboto"/>
+                <a:ea typeface="Roboto"/>
+              </a:rPr>
+              <a:t>INSURANCE_LIFETIME</a:t>
+            </a:r>
+          </a:p>
+          <a:p>
+            <a:r>
+              <a:rPr lang="en-US" sz="2200" dirty="0">
+                <a:highlight>
+                  <a:srgbClr val="FFFFFF"/>
+                </a:highlight>
+                <a:latin typeface="Roboto"/>
+                <a:ea typeface="Roboto"/>
+              </a:rPr>
+              <a:t>INSURANCE_PREMIUM</a:t>
+            </a:r>
+          </a:p>
+          <a:p>
+            <a:r>
+              <a:rPr lang="en-US" sz="2200" dirty="0">
+                <a:highlight>
+                  <a:srgbClr val="FFFFFF"/>
+                </a:highlight>
+                <a:latin typeface="Roboto"/>
+                <a:ea typeface="Roboto"/>
+              </a:rPr>
+              <a:t>INSURANCE_COVERAGE</a:t>
+            </a:r>
+          </a:p>
+          <a:p>
+            <a:r>
+              <a:rPr lang="en-US" sz="2200" dirty="0">
+                <a:highlight>
+                  <a:srgbClr val="FFFFFF"/>
+                </a:highlight>
+                <a:latin typeface="Roboto"/>
+                <a:ea typeface="Roboto"/>
+              </a:rPr>
+              <a:t>CUSTOMER_ID</a:t>
+            </a:r>
+          </a:p>
+          <a:p>
+            <a:r>
+              <a:rPr lang="en-US" sz="2200" dirty="0">
+                <a:highlight>
+                  <a:srgbClr val="FFFFFF"/>
+                </a:highlight>
+                <a:latin typeface="Roboto"/>
+                <a:ea typeface="Roboto"/>
+              </a:rPr>
+              <a:t>INSURANCE_ID</a:t>
+            </a:r>
+          </a:p>
+          <a:p>
+            <a:r>
+              <a:rPr lang="en-US" sz="2200" dirty="0">
+                <a:highlight>
+                  <a:srgbClr val="FFFFFF"/>
+                </a:highlight>
+                <a:latin typeface="Roboto"/>
+                <a:ea typeface="Roboto"/>
+              </a:rPr>
+              <a:t>INSURANCE_AVAIL_ID</a:t>
+            </a:r>
+            <a:endParaRPr lang="en-US" sz="2200" dirty="0"/>
+          </a:p>
+        </p:txBody>
+      </p:sp>
+    </p:spTree>
+    <p:extLst>
+      <p:ext uri="{BB962C8B-B14F-4D97-AF65-F5344CB8AC3E}">
+        <p14:creationId xmlns:p14="http://schemas.microsoft.com/office/powerpoint/2010/main" val="3609468375"/>
+      </p:ext>
+    </p:extLst>
+  </p:cSld>
+  <p:clrMapOvr>
+    <a:masterClrMapping/>
+  </p:clrMapOvr>
+</p:sld>
+</file>
+
+<file path=ppt/slides/slide6.xml><?xml version="1.0" encoding="utf-8"?>
+<p:sld xmlns:a="http://schemas.openxmlformats.org/drawingml/2006/main" xmlns:r="http://schemas.openxmlformats.org/officeDocument/2006/relationships" xmlns:p="http://schemas.openxmlformats.org/presentationml/2006/main">
+  <p:cSld>
+    <p:bg>
+      <p:bgPr>
+        <a:solidFill>
+          <a:schemeClr val="bg1"/>
+        </a:solidFill>
+        <a:effectLst/>
+      </p:bgPr>
+    </p:bg>
+    <p:spTree>
+      <p:nvGrpSpPr>
+        <p:cNvPr id="1" name="">
+          <a:extLst>
+            <a:ext uri="{FF2B5EF4-FFF2-40B4-BE49-F238E27FC236}">
+              <a16:creationId xmlns:a16="http://schemas.microsoft.com/office/drawing/2014/main" id="{ABA72EC6-654B-EF0F-0085-F255994E6666}"/>
+            </a:ext>
+          </a:extLst>
+        </p:cNvPr>
+        <p:cNvGrpSpPr/>
+        <p:nvPr/>
+      </p:nvGrpSpPr>
+      <p:grpSpPr>
+        <a:xfrm>
+          <a:off x="0" y="0"/>
+          <a:ext cx="0" cy="0"/>
+          <a:chOff x="0" y="0"/>
+          <a:chExt cx="0" cy="0"/>
+        </a:xfrm>
+      </p:grpSpPr>
+      <p:sp useBgFill="1">
+        <p:nvSpPr>
+          <p:cNvPr id="63" name="Rectangle 62">
+            <a:extLst>
+              <a:ext uri="{FF2B5EF4-FFF2-40B4-BE49-F238E27FC236}">
+                <a16:creationId xmlns:a16="http://schemas.microsoft.com/office/drawing/2014/main" id="{9F3489EC-843F-904A-F127-DD8117026BEA}"/>
+              </a:ext>
+              <a:ext uri="{C183D7F6-B498-43B3-948B-1728B52AA6E4}">
+                <adec:decorative xmlns:adec="http://schemas.microsoft.com/office/drawing/2017/decorative" val="1"/>
+              </a:ext>
+            </a:extLst>
+          </p:cNvPr>
+          <p:cNvSpPr>
+            <a:spLocks noGrp="1" noRot="1" noChangeAspect="1" noMove="1" noResize="1" noEditPoints="1" noAdjustHandles="1" noChangeArrowheads="1" noChangeShapeType="1" noTextEdit="1"/>
+          </p:cNvSpPr>
+          <p:nvPr>
+            <p:extLst>
+              <p:ext uri="{386F3935-93C4-4BCD-93E2-E3B085C9AB24}">
+                <p16:designElem xmlns:p16="http://schemas.microsoft.com/office/powerpoint/2015/main" val="1"/>
+              </p:ext>
+            </p:extLst>
+          </p:nvPr>
+        </p:nvSpPr>
+        <p:spPr>
+          <a:xfrm>
+            <a:off x="3048" y="0"/>
+            <a:ext cx="12188952" cy="6858000"/>
+          </a:xfrm>
+          <a:prstGeom prst="rect">
+            <a:avLst/>
+          </a:prstGeom>
+          <a:ln>
+            <a:noFill/>
+          </a:ln>
+        </p:spPr>
+        <p:style>
+          <a:lnRef idx="2">
+            <a:schemeClr val="accent1">
+              <a:shade val="50000"/>
+            </a:schemeClr>
+          </a:lnRef>
+          <a:fillRef idx="1">
+            <a:schemeClr val="accent1"/>
+          </a:fillRef>
+          <a:effectRef idx="0">
+            <a:schemeClr val="accent1"/>
+          </a:effectRef>
+          <a:fontRef idx="minor">
+            <a:schemeClr val="lt1"/>
+          </a:fontRef>
+        </p:style>
+        <p:txBody>
+          <a:bodyPr rtlCol="0" anchor="ctr"/>
+          <a:lstStyle/>
+          <a:p>
+            <a:pPr algn="ctr"/>
+            <a:endParaRPr lang="en-US"/>
+          </a:p>
+        </p:txBody>
+      </p:sp>
+      <p:sp>
+        <p:nvSpPr>
+          <p:cNvPr id="65" name="Freeform: Shape 64">
+            <a:extLst>
+              <a:ext uri="{FF2B5EF4-FFF2-40B4-BE49-F238E27FC236}">
+                <a16:creationId xmlns:a16="http://schemas.microsoft.com/office/drawing/2014/main" id="{B0C0BB6B-0A02-30E9-240F-6D77D7FEFB5F}"/>
+              </a:ext>
+              <a:ext uri="{C183D7F6-B498-43B3-948B-1728B52AA6E4}">
+                <adec:decorative xmlns:adec="http://schemas.microsoft.com/office/drawing/2017/decorative" val="1"/>
+              </a:ext>
+            </a:extLst>
+          </p:cNvPr>
+          <p:cNvSpPr>
+            <a:spLocks noGrp="1" noRot="1" noChangeAspect="1" noMove="1" noResize="1" noEditPoints="1" noAdjustHandles="1" noChangeArrowheads="1" noChangeShapeType="1" noTextEdit="1"/>
+          </p:cNvSpPr>
+          <p:nvPr>
+            <p:extLst>
+              <p:ext uri="{386F3935-93C4-4BCD-93E2-E3B085C9AB24}">
+                <p16:designElem xmlns:p16="http://schemas.microsoft.com/office/powerpoint/2015/main" val="1"/>
+              </p:ext>
+            </p:extLst>
+          </p:nvPr>
+        </p:nvSpPr>
+        <p:spPr>
+          <a:xfrm>
+            <a:off x="1" y="0"/>
+            <a:ext cx="4167271" cy="6858000"/>
+          </a:xfrm>
+          <a:custGeom>
+            <a:avLst/>
+            <a:gdLst>
+              <a:gd name="connsiteX0" fmla="*/ 0 w 4167271"/>
+              <a:gd name="connsiteY0" fmla="*/ 0 h 6858000"/>
+              <a:gd name="connsiteX1" fmla="*/ 2259550 w 4167271"/>
+              <a:gd name="connsiteY1" fmla="*/ 0 h 6858000"/>
+              <a:gd name="connsiteX2" fmla="*/ 2387803 w 4167271"/>
+              <a:gd name="connsiteY2" fmla="*/ 82222 h 6858000"/>
+              <a:gd name="connsiteX3" fmla="*/ 4167271 w 4167271"/>
+              <a:gd name="connsiteY3" fmla="*/ 3429000 h 6858000"/>
+              <a:gd name="connsiteX4" fmla="*/ 2387803 w 4167271"/>
+              <a:gd name="connsiteY4" fmla="*/ 6775779 h 6858000"/>
+              <a:gd name="connsiteX5" fmla="*/ 2259550 w 4167271"/>
+              <a:gd name="connsiteY5" fmla="*/ 6858000 h 6858000"/>
+              <a:gd name="connsiteX6" fmla="*/ 0 w 4167271"/>
+              <a:gd name="connsiteY6" fmla="*/ 6858000 h 6858000"/>
+            </a:gdLst>
+            <a:ahLst/>
+            <a:cxnLst>
+              <a:cxn ang="0">
+                <a:pos x="connsiteX0" y="connsiteY0"/>
+              </a:cxn>
+              <a:cxn ang="0">
+                <a:pos x="connsiteX1" y="connsiteY1"/>
+              </a:cxn>
+              <a:cxn ang="0">
+                <a:pos x="connsiteX2" y="connsiteY2"/>
+              </a:cxn>
+              <a:cxn ang="0">
+                <a:pos x="connsiteX3" y="connsiteY3"/>
+              </a:cxn>
+              <a:cxn ang="0">
+                <a:pos x="connsiteX4" y="connsiteY4"/>
+              </a:cxn>
+              <a:cxn ang="0">
+                <a:pos x="connsiteX5" y="connsiteY5"/>
+              </a:cxn>
+              <a:cxn ang="0">
+                <a:pos x="connsiteX6" y="connsiteY6"/>
+              </a:cxn>
+            </a:cxnLst>
+            <a:rect l="l" t="t" r="r" b="b"/>
+            <a:pathLst>
+              <a:path w="4167271" h="6858000">
+                <a:moveTo>
+                  <a:pt x="0" y="0"/>
+                </a:moveTo>
+                <a:lnTo>
+                  <a:pt x="2259550" y="0"/>
+                </a:lnTo>
+                <a:lnTo>
+                  <a:pt x="2387803" y="82222"/>
+                </a:lnTo>
+                <a:cubicBezTo>
+                  <a:pt x="3461407" y="807534"/>
+                  <a:pt x="4167271" y="2035835"/>
+                  <a:pt x="4167271" y="3429000"/>
+                </a:cubicBezTo>
+                <a:cubicBezTo>
+                  <a:pt x="4167271" y="4822165"/>
+                  <a:pt x="3461407" y="6050467"/>
+                  <a:pt x="2387803" y="6775779"/>
+                </a:cubicBezTo>
+                <a:lnTo>
+                  <a:pt x="2259550" y="6858000"/>
+                </a:lnTo>
+                <a:lnTo>
+                  <a:pt x="0" y="6858000"/>
+                </a:lnTo>
+                <a:close/>
+              </a:path>
+            </a:pathLst>
+          </a:custGeom>
+          <a:solidFill>
+            <a:schemeClr val="accent2"/>
+          </a:solidFill>
+          <a:ln>
+            <a:noFill/>
+          </a:ln>
+        </p:spPr>
+        <p:style>
+          <a:lnRef idx="2">
+            <a:schemeClr val="accent1">
+              <a:shade val="50000"/>
+            </a:schemeClr>
+          </a:lnRef>
+          <a:fillRef idx="1">
+            <a:schemeClr val="accent1"/>
+          </a:fillRef>
+          <a:effectRef idx="0">
+            <a:schemeClr val="accent1"/>
+          </a:effectRef>
+          <a:fontRef idx="minor">
+            <a:schemeClr val="lt1"/>
+          </a:fontRef>
+        </p:style>
+        <p:txBody>
+          <a:bodyPr rtlCol="0" anchor="ctr"/>
+          <a:lstStyle/>
+          <a:p>
+            <a:pPr algn="ctr"/>
+            <a:endParaRPr lang="en-US"/>
+          </a:p>
+        </p:txBody>
+      </p:sp>
+      <p:sp>
+        <p:nvSpPr>
+          <p:cNvPr id="2" name="Title 1">
+            <a:extLst>
+              <a:ext uri="{FF2B5EF4-FFF2-40B4-BE49-F238E27FC236}">
+                <a16:creationId xmlns:a16="http://schemas.microsoft.com/office/drawing/2014/main" id="{2F7E423D-5D87-CF7E-6F2B-507CBD335777}"/>
+              </a:ext>
+            </a:extLst>
+          </p:cNvPr>
+          <p:cNvSpPr>
+            <a:spLocks noGrp="1"/>
+          </p:cNvSpPr>
+          <p:nvPr>
+            <p:ph type="title"/>
+          </p:nvPr>
+        </p:nvSpPr>
+        <p:spPr>
+          <a:xfrm>
+            <a:off x="686834" y="1153572"/>
+            <a:ext cx="3200400" cy="4461163"/>
+          </a:xfrm>
+        </p:spPr>
+        <p:txBody>
+          <a:bodyPr>
+            <a:normAutofit/>
+          </a:bodyPr>
+          <a:lstStyle/>
+          <a:p>
+            <a:r>
+              <a:rPr lang="en-US" b="1" dirty="0">
+                <a:solidFill>
+                  <a:srgbClr val="FFFFFF"/>
+                </a:solidFill>
+              </a:rPr>
+              <a:t>INSURANCE  MODULE:</a:t>
+            </a:r>
+            <a:br>
+              <a:rPr lang="en-US" b="1" dirty="0">
+                <a:solidFill>
+                  <a:srgbClr val="FFFFFF"/>
+                </a:solidFill>
+              </a:rPr>
+            </a:br>
+            <a:endParaRPr lang="en-US" dirty="0">
+              <a:solidFill>
+                <a:srgbClr val="FFFFFF"/>
+              </a:solidFill>
+            </a:endParaRPr>
+          </a:p>
+        </p:txBody>
+      </p:sp>
+      <p:sp>
+        <p:nvSpPr>
+          <p:cNvPr id="67" name="Arc 66">
+            <a:extLst>
+              <a:ext uri="{FF2B5EF4-FFF2-40B4-BE49-F238E27FC236}">
+                <a16:creationId xmlns:a16="http://schemas.microsoft.com/office/drawing/2014/main" id="{00F5DFC7-FD4A-7222-078C-CADB8C6D0BA8}"/>
+              </a:ext>
+              <a:ext uri="{C183D7F6-B498-43B3-948B-1728B52AA6E4}">
+                <adec:decorative xmlns:adec="http://schemas.microsoft.com/office/drawing/2017/decorative" val="1"/>
+              </a:ext>
+            </a:extLst>
+          </p:cNvPr>
+          <p:cNvSpPr>
+            <a:spLocks noGrp="1" noRot="1" noChangeAspect="1" noMove="1" noResize="1" noEditPoints="1" noAdjustHandles="1" noChangeArrowheads="1" noChangeShapeType="1" noTextEdit="1"/>
+          </p:cNvSpPr>
+          <p:nvPr>
+            <p:extLst>
+              <p:ext uri="{386F3935-93C4-4BCD-93E2-E3B085C9AB24}">
+                <p16:designElem xmlns:p16="http://schemas.microsoft.com/office/powerpoint/2015/main" val="1"/>
+              </p:ext>
+            </p:extLst>
+          </p:nvPr>
+        </p:nvSpPr>
+        <p:spPr>
+          <a:xfrm flipV="1">
+            <a:off x="7550402" y="2455479"/>
+            <a:ext cx="4083433" cy="4083433"/>
+          </a:xfrm>
+          <a:prstGeom prst="arc">
+            <a:avLst/>
+          </a:prstGeom>
+          <a:ln w="127000" cap="rnd">
+            <a:solidFill>
+              <a:schemeClr val="accent4"/>
+            </a:solidFill>
+            <a:prstDash val="dash"/>
+          </a:ln>
+        </p:spPr>
+        <p:style>
+          <a:lnRef idx="1">
+            <a:schemeClr val="accent1"/>
+          </a:lnRef>
+          <a:fillRef idx="0">
+            <a:schemeClr val="accent1"/>
+          </a:fillRef>
+          <a:effectRef idx="0">
+            <a:schemeClr val="accent1"/>
+          </a:effectRef>
+          <a:fontRef idx="minor">
+            <a:schemeClr val="tx1"/>
+          </a:fontRef>
+        </p:style>
+        <p:txBody>
+          <a:bodyPr rtlCol="0" anchor="ctr"/>
+          <a:lstStyle/>
+          <a:p>
+            <a:pPr algn="ctr"/>
+            <a:endParaRPr lang="en-US" dirty="0"/>
+          </a:p>
+        </p:txBody>
+      </p:sp>
+      <p:sp>
+        <p:nvSpPr>
+          <p:cNvPr id="72" name="Content Placeholder 2">
+            <a:extLst>
+              <a:ext uri="{FF2B5EF4-FFF2-40B4-BE49-F238E27FC236}">
+                <a16:creationId xmlns:a16="http://schemas.microsoft.com/office/drawing/2014/main" id="{A8F1880E-A55F-8CC1-37B8-484212D50DE7}"/>
+              </a:ext>
+            </a:extLst>
+          </p:cNvPr>
+          <p:cNvSpPr>
+            <a:spLocks noGrp="1"/>
+          </p:cNvSpPr>
+          <p:nvPr>
+            <p:ph idx="1"/>
+          </p:nvPr>
+        </p:nvSpPr>
+        <p:spPr>
+          <a:xfrm>
+            <a:off x="4447308" y="591344"/>
+            <a:ext cx="6906491" cy="5585619"/>
+          </a:xfrm>
+        </p:spPr>
+        <p:txBody>
+          <a:bodyPr anchor="ctr">
+            <a:normAutofit/>
+          </a:bodyPr>
+          <a:lstStyle/>
+          <a:p>
+            <a:pPr marL="0" indent="0">
+              <a:spcBef>
+                <a:spcPts val="1200"/>
+              </a:spcBef>
+              <a:buNone/>
+            </a:pPr>
+            <a:r>
+              <a:rPr lang="en-US" dirty="0"/>
+              <a:t>Upon the successful login, we provide a menu of insurance types.</a:t>
+            </a:r>
+          </a:p>
+          <a:p>
             <a:pPr marL="0" indent="0">
               <a:spcBef>
                 <a:spcPts val="1200"/>
@@ -9328,64 +10746,15 @@
                 <a:latin typeface="Roboto"/>
                 <a:ea typeface="Roboto"/>
               </a:rPr>
-              <a:t>INSURANCE_PREMIUM</a:t>
-            </a:r>
-          </a:p>
-          <a:p>
-            <a:r>
-              <a:rPr lang="en-US" sz="2200" dirty="0">
-                <a:highlight>
-                  <a:srgbClr val="FFFFFF"/>
-                </a:highlight>
-                <a:latin typeface="Roboto"/>
-                <a:ea typeface="Roboto"/>
-              </a:rPr>
-              <a:t>INSURANCE_COVERAGE</a:t>
-            </a:r>
-          </a:p>
-          <a:p>
-            <a:r>
-              <a:rPr lang="en-US" sz="2200" dirty="0">
-                <a:highlight>
-                  <a:srgbClr val="FFFFFF"/>
-                </a:highlight>
-                <a:latin typeface="Roboto"/>
-                <a:ea typeface="Roboto"/>
-              </a:rPr>
-              <a:t>CUSTOMER_ID</a:t>
-            </a:r>
-          </a:p>
-          <a:p>
-            <a:r>
-              <a:rPr lang="en-US" sz="2200" dirty="0">
-                <a:highlight>
-                  <a:srgbClr val="FFFFFF"/>
-                </a:highlight>
-                <a:latin typeface="Roboto"/>
-                <a:ea typeface="Roboto"/>
-              </a:rPr>
               <a:t>INSURANCE_ID</a:t>
             </a:r>
-          </a:p>
-          <a:p>
-            <a:r>
-              <a:rPr lang="en-US" sz="2200" dirty="0">
-                <a:highlight>
-                  <a:srgbClr val="FFFFFF"/>
-                </a:highlight>
-                <a:latin typeface="Roboto"/>
-                <a:ea typeface="Roboto"/>
-              </a:rPr>
-              <a:t>INSURANCE_AVAIL_ID</a:t>
-            </a:r>
-            <a:endParaRPr lang="en-US" sz="2200" dirty="0"/>
           </a:p>
         </p:txBody>
       </p:sp>
     </p:spTree>
     <p:extLst>
       <p:ext uri="{BB962C8B-B14F-4D97-AF65-F5344CB8AC3E}">
-        <p14:creationId xmlns:p14="http://schemas.microsoft.com/office/powerpoint/2010/main" val="3609468375"/>
+        <p14:creationId xmlns:p14="http://schemas.microsoft.com/office/powerpoint/2010/main" val="4037228411"/>
       </p:ext>
     </p:extLst>
   </p:cSld>
@@ -9395,7 +10764,7 @@
 </p:sld>
 </file>
 
-<file path=ppt/slides/slide6.xml><?xml version="1.0" encoding="utf-8"?>
+<file path=ppt/slides/slide7.xml><?xml version="1.0" encoding="utf-8"?>
 <p:sld xmlns:a="http://schemas.openxmlformats.org/drawingml/2006/main" xmlns:r="http://schemas.openxmlformats.org/officeDocument/2006/relationships" xmlns:p="http://schemas.openxmlformats.org/presentationml/2006/main">
   <p:cSld>
     <p:bg>
@@ -9767,7 +11136,7 @@
 </p:sld>
 </file>
 
-<file path=ppt/slides/slide7.xml><?xml version="1.0" encoding="utf-8"?>
+<file path=ppt/slides/slide8.xml><?xml version="1.0" encoding="utf-8"?>
 <p:sld xmlns:a="http://schemas.openxmlformats.org/drawingml/2006/main" xmlns:r="http://schemas.openxmlformats.org/officeDocument/2006/relationships" xmlns:p="http://schemas.openxmlformats.org/presentationml/2006/main">
   <p:cSld>
     <p:bg>
@@ -10844,7 +12213,7 @@
 </p:sld>
 </file>
 
-<file path=ppt/slides/slide8.xml><?xml version="1.0" encoding="utf-8"?>
+<file path=ppt/slides/slide9.xml><?xml version="1.0" encoding="utf-8"?>
 <p:sld xmlns:a="http://schemas.openxmlformats.org/drawingml/2006/main" xmlns:r="http://schemas.openxmlformats.org/officeDocument/2006/relationships" xmlns:p="http://schemas.openxmlformats.org/presentationml/2006/main">
   <p:cSld>
     <p:bg>
@@ -11137,883 +12506,6 @@
     <p:extLst>
       <p:ext uri="{BB962C8B-B14F-4D97-AF65-F5344CB8AC3E}">
         <p14:creationId xmlns:p14="http://schemas.microsoft.com/office/powerpoint/2010/main" val="2937602630"/>
-      </p:ext>
-    </p:extLst>
-  </p:cSld>
-  <p:clrMapOvr>
-    <a:masterClrMapping/>
-  </p:clrMapOvr>
-</p:sld>
-</file>
-
-<file path=ppt/slides/slide9.xml><?xml version="1.0" encoding="utf-8"?>
-<p:sld xmlns:a="http://schemas.openxmlformats.org/drawingml/2006/main" xmlns:r="http://schemas.openxmlformats.org/officeDocument/2006/relationships" xmlns:p="http://schemas.openxmlformats.org/presentationml/2006/main">
-  <p:cSld>
-    <p:bg>
-      <p:bgPr>
-        <a:solidFill>
-          <a:schemeClr val="bg1"/>
-        </a:solidFill>
-        <a:effectLst/>
-      </p:bgPr>
-    </p:bg>
-    <p:spTree>
-      <p:nvGrpSpPr>
-        <p:cNvPr id="1" name=""/>
-        <p:cNvGrpSpPr/>
-        <p:nvPr/>
-      </p:nvGrpSpPr>
-      <p:grpSpPr>
-        <a:xfrm>
-          <a:off x="0" y="0"/>
-          <a:ext cx="0" cy="0"/>
-          <a:chOff x="0" y="0"/>
-          <a:chExt cx="0" cy="0"/>
-        </a:xfrm>
-      </p:grpSpPr>
-      <p:sp useBgFill="1">
-        <p:nvSpPr>
-          <p:cNvPr id="38" name="Rectangle 37">
-            <a:extLst>
-              <a:ext uri="{FF2B5EF4-FFF2-40B4-BE49-F238E27FC236}">
-                <a16:creationId xmlns:a16="http://schemas.microsoft.com/office/drawing/2014/main" id="{7B831B6F-405A-4B47-B9BB-5CA88F285844}"/>
-              </a:ext>
-              <a:ext uri="{C183D7F6-B498-43B3-948B-1728B52AA6E4}">
-                <adec:decorative xmlns:adec="http://schemas.microsoft.com/office/drawing/2017/decorative" val="1"/>
-              </a:ext>
-            </a:extLst>
-          </p:cNvPr>
-          <p:cNvSpPr>
-            <a:spLocks noGrp="1" noRot="1" noChangeAspect="1" noMove="1" noResize="1" noEditPoints="1" noAdjustHandles="1" noChangeArrowheads="1" noChangeShapeType="1" noTextEdit="1"/>
-          </p:cNvSpPr>
-          <p:nvPr>
-            <p:extLst>
-              <p:ext uri="{386F3935-93C4-4BCD-93E2-E3B085C9AB24}">
-                <p16:designElem xmlns:p16="http://schemas.microsoft.com/office/powerpoint/2015/main" val="1"/>
-              </p:ext>
-            </p:extLst>
-          </p:nvPr>
-        </p:nvSpPr>
-        <p:spPr>
-          <a:xfrm>
-            <a:off x="0" y="0"/>
-            <a:ext cx="12192000" cy="6858000"/>
-          </a:xfrm>
-          <a:prstGeom prst="rect">
-            <a:avLst/>
-          </a:prstGeom>
-          <a:ln>
-            <a:noFill/>
-          </a:ln>
-        </p:spPr>
-        <p:style>
-          <a:lnRef idx="2">
-            <a:schemeClr val="accent1">
-              <a:shade val="50000"/>
-            </a:schemeClr>
-          </a:lnRef>
-          <a:fillRef idx="1">
-            <a:schemeClr val="accent1"/>
-          </a:fillRef>
-          <a:effectRef idx="0">
-            <a:schemeClr val="accent1"/>
-          </a:effectRef>
-          <a:fontRef idx="minor">
-            <a:schemeClr val="lt1"/>
-          </a:fontRef>
-        </p:style>
-        <p:txBody>
-          <a:bodyPr rtlCol="0" anchor="ctr"/>
-          <a:lstStyle/>
-          <a:p>
-            <a:pPr algn="ctr"/>
-            <a:endParaRPr lang="en-US"/>
-          </a:p>
-        </p:txBody>
-      </p:sp>
-      <p:pic>
-        <p:nvPicPr>
-          <p:cNvPr id="7" name="Graphic 6" descr="Lollipop">
-            <a:extLst>
-              <a:ext uri="{FF2B5EF4-FFF2-40B4-BE49-F238E27FC236}">
-                <a16:creationId xmlns:a16="http://schemas.microsoft.com/office/drawing/2014/main" id="{A68818E0-7D3F-66E9-F6D4-5E50B247B194}"/>
-              </a:ext>
-            </a:extLst>
-          </p:cNvPr>
-          <p:cNvPicPr>
-            <a:picLocks noChangeAspect="1"/>
-          </p:cNvPicPr>
-          <p:nvPr/>
-        </p:nvPicPr>
-        <p:blipFill>
-          <a:blip r:embed="rId2">
-            <a:extLst>
-              <a:ext uri="{28A0092B-C50C-407E-A947-70E740481C1C}">
-                <a14:useLocalDpi xmlns:a14="http://schemas.microsoft.com/office/drawing/2010/main" val="0"/>
-              </a:ext>
-              <a:ext uri="{96DAC541-7B7A-43D3-8B79-37D633B846F1}">
-                <asvg:svgBlip xmlns:asvg="http://schemas.microsoft.com/office/drawing/2016/SVG/main" r:embed="rId3"/>
-              </a:ext>
-            </a:extLst>
-          </a:blip>
-          <a:stretch>
-            <a:fillRect/>
-          </a:stretch>
-        </p:blipFill>
-        <p:spPr>
-          <a:xfrm>
-            <a:off x="764988" y="1744515"/>
-            <a:ext cx="3368969" cy="3368969"/>
-          </a:xfrm>
-          <a:prstGeom prst="rect">
-            <a:avLst/>
-          </a:prstGeom>
-        </p:spPr>
-      </p:pic>
-      <p:sp>
-        <p:nvSpPr>
-          <p:cNvPr id="39" name="Freeform: Shape 38">
-            <a:extLst>
-              <a:ext uri="{FF2B5EF4-FFF2-40B4-BE49-F238E27FC236}">
-                <a16:creationId xmlns:a16="http://schemas.microsoft.com/office/drawing/2014/main" id="{15109354-9C5D-4F8C-B0E6-D1043C7BF20A}"/>
-              </a:ext>
-              <a:ext uri="{C183D7F6-B498-43B3-948B-1728B52AA6E4}">
-                <adec:decorative xmlns:adec="http://schemas.microsoft.com/office/drawing/2017/decorative" val="1"/>
-              </a:ext>
-            </a:extLst>
-          </p:cNvPr>
-          <p:cNvSpPr>
-            <a:spLocks noGrp="1" noRot="1" noChangeAspect="1" noMove="1" noResize="1" noEditPoints="1" noAdjustHandles="1" noChangeArrowheads="1" noChangeShapeType="1" noTextEdit="1"/>
-          </p:cNvSpPr>
-          <p:nvPr>
-            <p:extLst>
-              <p:ext uri="{386F3935-93C4-4BCD-93E2-E3B085C9AB24}">
-                <p16:designElem xmlns:p16="http://schemas.microsoft.com/office/powerpoint/2015/main" val="1"/>
-              </p:ext>
-            </p:extLst>
-          </p:nvPr>
-        </p:nvSpPr>
-        <p:spPr>
-          <a:xfrm>
-            <a:off x="4629992" y="0"/>
-            <a:ext cx="7562008" cy="6858000"/>
-          </a:xfrm>
-          <a:custGeom>
-            <a:avLst/>
-            <a:gdLst>
-              <a:gd name="connsiteX0" fmla="*/ 7529613 w 7529613"/>
-              <a:gd name="connsiteY0" fmla="*/ 0 h 6858000"/>
-              <a:gd name="connsiteX1" fmla="*/ 1222331 w 7529613"/>
-              <a:gd name="connsiteY1" fmla="*/ 0 h 6858000"/>
-              <a:gd name="connsiteX2" fmla="*/ 1126483 w 7529613"/>
-              <a:gd name="connsiteY2" fmla="*/ 148742 h 6858000"/>
-              <a:gd name="connsiteX3" fmla="*/ 767554 w 7529613"/>
-              <a:gd name="connsiteY3" fmla="*/ 819975 h 6858000"/>
-              <a:gd name="connsiteX4" fmla="*/ 742103 w 7529613"/>
-              <a:gd name="connsiteY4" fmla="*/ 854514 h 6858000"/>
-              <a:gd name="connsiteX5" fmla="*/ 785881 w 7529613"/>
-              <a:gd name="connsiteY5" fmla="*/ 750263 h 6858000"/>
-              <a:gd name="connsiteX6" fmla="*/ 978978 w 7529613"/>
-              <a:gd name="connsiteY6" fmla="*/ 331786 h 6858000"/>
-              <a:gd name="connsiteX7" fmla="*/ 1155717 w 7529613"/>
-              <a:gd name="connsiteY7" fmla="*/ 0 h 6858000"/>
-              <a:gd name="connsiteX8" fmla="*/ 1098249 w 7529613"/>
-              <a:gd name="connsiteY8" fmla="*/ 0 h 6858000"/>
-              <a:gd name="connsiteX9" fmla="*/ 991458 w 7529613"/>
-              <a:gd name="connsiteY9" fmla="*/ 196614 h 6858000"/>
-              <a:gd name="connsiteX10" fmla="*/ 493941 w 7529613"/>
-              <a:gd name="connsiteY10" fmla="*/ 1371196 h 6858000"/>
-              <a:gd name="connsiteX11" fmla="*/ 46485 w 7529613"/>
-              <a:gd name="connsiteY11" fmla="*/ 3331516 h 6858000"/>
-              <a:gd name="connsiteX12" fmla="*/ 12252 w 7529613"/>
-              <a:gd name="connsiteY12" fmla="*/ 4357388 h 6858000"/>
-              <a:gd name="connsiteX13" fmla="*/ 170821 w 7529613"/>
-              <a:gd name="connsiteY13" fmla="*/ 5552906 h 6858000"/>
-              <a:gd name="connsiteX14" fmla="*/ 537265 w 7529613"/>
-              <a:gd name="connsiteY14" fmla="*/ 6828295 h 6858000"/>
-              <a:gd name="connsiteX15" fmla="*/ 549692 w 7529613"/>
-              <a:gd name="connsiteY15" fmla="*/ 6858000 h 6858000"/>
-              <a:gd name="connsiteX16" fmla="*/ 602234 w 7529613"/>
-              <a:gd name="connsiteY16" fmla="*/ 6858000 h 6858000"/>
-              <a:gd name="connsiteX17" fmla="*/ 595414 w 7529613"/>
-              <a:gd name="connsiteY17" fmla="*/ 6841549 h 6858000"/>
-              <a:gd name="connsiteX18" fmla="*/ 364260 w 7529613"/>
-              <a:gd name="connsiteY18" fmla="*/ 6142729 h 6858000"/>
-              <a:gd name="connsiteX19" fmla="*/ 213071 w 7529613"/>
-              <a:gd name="connsiteY19" fmla="*/ 5513923 h 6858000"/>
-              <a:gd name="connsiteX20" fmla="*/ 211290 w 7529613"/>
-              <a:gd name="connsiteY20" fmla="*/ 5480401 h 6858000"/>
-              <a:gd name="connsiteX21" fmla="*/ 311446 w 7529613"/>
-              <a:gd name="connsiteY21" fmla="*/ 5830359 h 6858000"/>
-              <a:gd name="connsiteX22" fmla="*/ 622963 w 7529613"/>
-              <a:gd name="connsiteY22" fmla="*/ 6670527 h 6858000"/>
-              <a:gd name="connsiteX23" fmla="*/ 710464 w 7529613"/>
-              <a:gd name="connsiteY23" fmla="*/ 6858000 h 6858000"/>
-              <a:gd name="connsiteX24" fmla="*/ 7529613 w 7529613"/>
-              <a:gd name="connsiteY24" fmla="*/ 6858000 h 6858000"/>
-            </a:gdLst>
-            <a:ahLst/>
-            <a:cxnLst>
-              <a:cxn ang="0">
-                <a:pos x="connsiteX0" y="connsiteY0"/>
-              </a:cxn>
-              <a:cxn ang="0">
-                <a:pos x="connsiteX1" y="connsiteY1"/>
-              </a:cxn>
-              <a:cxn ang="0">
-                <a:pos x="connsiteX2" y="connsiteY2"/>
-              </a:cxn>
-              <a:cxn ang="0">
-                <a:pos x="connsiteX3" y="connsiteY3"/>
-              </a:cxn>
-              <a:cxn ang="0">
-                <a:pos x="connsiteX4" y="connsiteY4"/>
-              </a:cxn>
-              <a:cxn ang="0">
-                <a:pos x="connsiteX5" y="connsiteY5"/>
-              </a:cxn>
-              <a:cxn ang="0">
-                <a:pos x="connsiteX6" y="connsiteY6"/>
-              </a:cxn>
-              <a:cxn ang="0">
-                <a:pos x="connsiteX7" y="connsiteY7"/>
-              </a:cxn>
-              <a:cxn ang="0">
-                <a:pos x="connsiteX8" y="connsiteY8"/>
-              </a:cxn>
-              <a:cxn ang="0">
-                <a:pos x="connsiteX9" y="connsiteY9"/>
-              </a:cxn>
-              <a:cxn ang="0">
-                <a:pos x="connsiteX10" y="connsiteY10"/>
-              </a:cxn>
-              <a:cxn ang="0">
-                <a:pos x="connsiteX11" y="connsiteY11"/>
-              </a:cxn>
-              <a:cxn ang="0">
-                <a:pos x="connsiteX12" y="connsiteY12"/>
-              </a:cxn>
-              <a:cxn ang="0">
-                <a:pos x="connsiteX13" y="connsiteY13"/>
-              </a:cxn>
-              <a:cxn ang="0">
-                <a:pos x="connsiteX14" y="connsiteY14"/>
-              </a:cxn>
-              <a:cxn ang="0">
-                <a:pos x="connsiteX15" y="connsiteY15"/>
-              </a:cxn>
-              <a:cxn ang="0">
-                <a:pos x="connsiteX16" y="connsiteY16"/>
-              </a:cxn>
-              <a:cxn ang="0">
-                <a:pos x="connsiteX17" y="connsiteY17"/>
-              </a:cxn>
-              <a:cxn ang="0">
-                <a:pos x="connsiteX18" y="connsiteY18"/>
-              </a:cxn>
-              <a:cxn ang="0">
-                <a:pos x="connsiteX19" y="connsiteY19"/>
-              </a:cxn>
-              <a:cxn ang="0">
-                <a:pos x="connsiteX20" y="connsiteY20"/>
-              </a:cxn>
-              <a:cxn ang="0">
-                <a:pos x="connsiteX21" y="connsiteY21"/>
-              </a:cxn>
-              <a:cxn ang="0">
-                <a:pos x="connsiteX22" y="connsiteY22"/>
-              </a:cxn>
-              <a:cxn ang="0">
-                <a:pos x="connsiteX23" y="connsiteY23"/>
-              </a:cxn>
-              <a:cxn ang="0">
-                <a:pos x="connsiteX24" y="connsiteY24"/>
-              </a:cxn>
-            </a:cxnLst>
-            <a:rect l="l" t="t" r="r" b="b"/>
-            <a:pathLst>
-              <a:path w="7529613" h="6858000">
-                <a:moveTo>
-                  <a:pt x="7529613" y="0"/>
-                </a:moveTo>
-                <a:lnTo>
-                  <a:pt x="1222331" y="0"/>
-                </a:lnTo>
-                <a:lnTo>
-                  <a:pt x="1126483" y="148742"/>
-                </a:lnTo>
-                <a:cubicBezTo>
-                  <a:pt x="995323" y="365513"/>
-                  <a:pt x="876174" y="589569"/>
-                  <a:pt x="767554" y="819975"/>
-                </a:cubicBezTo>
-                <a:cubicBezTo>
-                  <a:pt x="762210" y="833492"/>
-                  <a:pt x="753441" y="845393"/>
-                  <a:pt x="742103" y="854514"/>
-                </a:cubicBezTo>
-                <a:cubicBezTo>
-                  <a:pt x="756737" y="819849"/>
-                  <a:pt x="770991" y="784928"/>
-                  <a:pt x="785881" y="750263"/>
-                </a:cubicBezTo>
-                <a:cubicBezTo>
-                  <a:pt x="846713" y="608712"/>
-                  <a:pt x="910948" y="469145"/>
-                  <a:pt x="978978" y="331786"/>
-                </a:cubicBezTo>
-                <a:lnTo>
-                  <a:pt x="1155717" y="0"/>
-                </a:lnTo>
-                <a:lnTo>
-                  <a:pt x="1098249" y="0"/>
-                </a:lnTo>
-                <a:lnTo>
-                  <a:pt x="991458" y="196614"/>
-                </a:lnTo>
-                <a:cubicBezTo>
-                  <a:pt x="797017" y="573253"/>
-                  <a:pt x="633548" y="966066"/>
-                  <a:pt x="493941" y="1371196"/>
-                </a:cubicBezTo>
-                <a:cubicBezTo>
-                  <a:pt x="276630" y="2007265"/>
-                  <a:pt x="126659" y="2664286"/>
-                  <a:pt x="46485" y="3331516"/>
-                </a:cubicBezTo>
-                <a:cubicBezTo>
-                  <a:pt x="4488" y="3672965"/>
-                  <a:pt x="-14219" y="4013908"/>
-                  <a:pt x="12252" y="4357388"/>
-                </a:cubicBezTo>
-                <a:cubicBezTo>
-                  <a:pt x="43558" y="4758899"/>
-                  <a:pt x="90773" y="5157998"/>
-                  <a:pt x="170821" y="5552906"/>
-                </a:cubicBezTo>
-                <a:cubicBezTo>
-                  <a:pt x="259109" y="5988893"/>
-                  <a:pt x="378967" y="6414594"/>
-                  <a:pt x="537265" y="6828295"/>
-                </a:cubicBezTo>
-                <a:lnTo>
-                  <a:pt x="549692" y="6858000"/>
-                </a:lnTo>
-                <a:lnTo>
-                  <a:pt x="602234" y="6858000"/>
-                </a:lnTo>
-                <a:lnTo>
-                  <a:pt x="595414" y="6841549"/>
-                </a:lnTo>
-                <a:cubicBezTo>
-                  <a:pt x="507884" y="6614016"/>
-                  <a:pt x="431296" y="6380817"/>
-                  <a:pt x="364260" y="6142729"/>
-                </a:cubicBezTo>
-                <a:cubicBezTo>
-                  <a:pt x="305974" y="5935370"/>
-                  <a:pt x="262958" y="5723695"/>
-                  <a:pt x="213071" y="5513923"/>
-                </a:cubicBezTo>
-                <a:cubicBezTo>
-                  <a:pt x="211892" y="5502788"/>
-                  <a:pt x="211299" y="5491601"/>
-                  <a:pt x="211290" y="5480401"/>
-                </a:cubicBezTo>
-                <a:cubicBezTo>
-                  <a:pt x="247814" y="5607635"/>
-                  <a:pt x="276958" y="5719759"/>
-                  <a:pt x="311446" y="5830359"/>
-                </a:cubicBezTo>
-                <a:cubicBezTo>
-                  <a:pt x="401357" y="6118381"/>
-                  <a:pt x="505060" y="6398531"/>
-                  <a:pt x="622963" y="6670527"/>
-                </a:cubicBezTo>
-                <a:lnTo>
-                  <a:pt x="710464" y="6858000"/>
-                </a:lnTo>
-                <a:lnTo>
-                  <a:pt x="7529613" y="6858000"/>
-                </a:lnTo>
-                <a:close/>
-              </a:path>
-            </a:pathLst>
-          </a:custGeom>
-          <a:solidFill>
-            <a:schemeClr val="accent2"/>
-          </a:solidFill>
-          <a:ln w="6857" cap="flat">
-            <a:noFill/>
-            <a:prstDash val="solid"/>
-            <a:miter/>
-          </a:ln>
-        </p:spPr>
-        <p:txBody>
-          <a:bodyPr wrap="square" rtlCol="0" anchor="ctr">
-            <a:noAutofit/>
-          </a:bodyPr>
-          <a:lstStyle/>
-          <a:p>
-            <a:endParaRPr lang="en-US"/>
-          </a:p>
-        </p:txBody>
-      </p:sp>
-      <p:sp>
-        <p:nvSpPr>
-          <p:cNvPr id="2" name="Title 1">
-            <a:extLst>
-              <a:ext uri="{FF2B5EF4-FFF2-40B4-BE49-F238E27FC236}">
-                <a16:creationId xmlns:a16="http://schemas.microsoft.com/office/drawing/2014/main" id="{90E6DE97-5E5D-4A89-29C3-7F44929BEEFC}"/>
-              </a:ext>
-            </a:extLst>
-          </p:cNvPr>
-          <p:cNvSpPr>
-            <a:spLocks noGrp="1"/>
-          </p:cNvSpPr>
-          <p:nvPr>
-            <p:ph type="title"/>
-          </p:nvPr>
-        </p:nvSpPr>
-        <p:spPr>
-          <a:xfrm>
-            <a:off x="5759354" y="457201"/>
-            <a:ext cx="5337270" cy="1835911"/>
-          </a:xfrm>
-        </p:spPr>
-        <p:txBody>
-          <a:bodyPr anchor="b">
-            <a:normAutofit/>
-          </a:bodyPr>
-          <a:lstStyle/>
-          <a:p>
-            <a:endParaRPr lang="en-US" sz="5400">
-              <a:solidFill>
-                <a:srgbClr val="FFFFFF"/>
-              </a:solidFill>
-            </a:endParaRPr>
-          </a:p>
-        </p:txBody>
-      </p:sp>
-      <p:sp>
-        <p:nvSpPr>
-          <p:cNvPr id="40" name="sketch line">
-            <a:extLst>
-              <a:ext uri="{FF2B5EF4-FFF2-40B4-BE49-F238E27FC236}">
-                <a16:creationId xmlns:a16="http://schemas.microsoft.com/office/drawing/2014/main" id="{49B530FE-A87D-41A0-A920-ADC6539EAA44}"/>
-              </a:ext>
-              <a:ext uri="{C183D7F6-B498-43B3-948B-1728B52AA6E4}">
-                <adec:decorative xmlns:adec="http://schemas.microsoft.com/office/drawing/2017/decorative" val="1"/>
-              </a:ext>
-            </a:extLst>
-          </p:cNvPr>
-          <p:cNvSpPr>
-            <a:spLocks noGrp="1" noRot="1" noChangeAspect="1" noMove="1" noResize="1" noEditPoints="1" noAdjustHandles="1" noChangeArrowheads="1" noChangeShapeType="1" noTextEdit="1"/>
-          </p:cNvSpPr>
-          <p:nvPr>
-            <p:extLst>
-              <p:ext uri="{386F3935-93C4-4BCD-93E2-E3B085C9AB24}">
-                <p16:designElem xmlns:p16="http://schemas.microsoft.com/office/powerpoint/2015/main" val="1"/>
-              </p:ext>
-            </p:extLst>
-          </p:nvPr>
-        </p:nvSpPr>
-        <p:spPr>
-          <a:xfrm>
-            <a:off x="5759353" y="2560829"/>
-            <a:ext cx="5029200" cy="18288"/>
-          </a:xfrm>
-          <a:custGeom>
-            <a:avLst/>
-            <a:gdLst>
-              <a:gd name="connsiteX0" fmla="*/ 0 w 5029200"/>
-              <a:gd name="connsiteY0" fmla="*/ 0 h 18288"/>
-              <a:gd name="connsiteX1" fmla="*/ 528066 w 5029200"/>
-              <a:gd name="connsiteY1" fmla="*/ 0 h 18288"/>
-              <a:gd name="connsiteX2" fmla="*/ 1207008 w 5029200"/>
-              <a:gd name="connsiteY2" fmla="*/ 0 h 18288"/>
-              <a:gd name="connsiteX3" fmla="*/ 1785366 w 5029200"/>
-              <a:gd name="connsiteY3" fmla="*/ 0 h 18288"/>
-              <a:gd name="connsiteX4" fmla="*/ 2313432 w 5029200"/>
-              <a:gd name="connsiteY4" fmla="*/ 0 h 18288"/>
-              <a:gd name="connsiteX5" fmla="*/ 2992374 w 5029200"/>
-              <a:gd name="connsiteY5" fmla="*/ 0 h 18288"/>
-              <a:gd name="connsiteX6" fmla="*/ 3621024 w 5029200"/>
-              <a:gd name="connsiteY6" fmla="*/ 0 h 18288"/>
-              <a:gd name="connsiteX7" fmla="*/ 4249674 w 5029200"/>
-              <a:gd name="connsiteY7" fmla="*/ 0 h 18288"/>
-              <a:gd name="connsiteX8" fmla="*/ 5029200 w 5029200"/>
-              <a:gd name="connsiteY8" fmla="*/ 0 h 18288"/>
-              <a:gd name="connsiteX9" fmla="*/ 5029200 w 5029200"/>
-              <a:gd name="connsiteY9" fmla="*/ 18288 h 18288"/>
-              <a:gd name="connsiteX10" fmla="*/ 4501134 w 5029200"/>
-              <a:gd name="connsiteY10" fmla="*/ 18288 h 18288"/>
-              <a:gd name="connsiteX11" fmla="*/ 4023360 w 5029200"/>
-              <a:gd name="connsiteY11" fmla="*/ 18288 h 18288"/>
-              <a:gd name="connsiteX12" fmla="*/ 3344418 w 5029200"/>
-              <a:gd name="connsiteY12" fmla="*/ 18288 h 18288"/>
-              <a:gd name="connsiteX13" fmla="*/ 2816352 w 5029200"/>
-              <a:gd name="connsiteY13" fmla="*/ 18288 h 18288"/>
-              <a:gd name="connsiteX14" fmla="*/ 2137410 w 5029200"/>
-              <a:gd name="connsiteY14" fmla="*/ 18288 h 18288"/>
-              <a:gd name="connsiteX15" fmla="*/ 1408176 w 5029200"/>
-              <a:gd name="connsiteY15" fmla="*/ 18288 h 18288"/>
-              <a:gd name="connsiteX16" fmla="*/ 829818 w 5029200"/>
-              <a:gd name="connsiteY16" fmla="*/ 18288 h 18288"/>
-              <a:gd name="connsiteX17" fmla="*/ 0 w 5029200"/>
-              <a:gd name="connsiteY17" fmla="*/ 18288 h 18288"/>
-              <a:gd name="connsiteX18" fmla="*/ 0 w 5029200"/>
-              <a:gd name="connsiteY18" fmla="*/ 0 h 18288"/>
-            </a:gdLst>
-            <a:ahLst/>
-            <a:cxnLst>
-              <a:cxn ang="0">
-                <a:pos x="connsiteX0" y="connsiteY0"/>
-              </a:cxn>
-              <a:cxn ang="0">
-                <a:pos x="connsiteX1" y="connsiteY1"/>
-              </a:cxn>
-              <a:cxn ang="0">
-                <a:pos x="connsiteX2" y="connsiteY2"/>
-              </a:cxn>
-              <a:cxn ang="0">
-                <a:pos x="connsiteX3" y="connsiteY3"/>
-              </a:cxn>
-              <a:cxn ang="0">
-                <a:pos x="connsiteX4" y="connsiteY4"/>
-              </a:cxn>
-              <a:cxn ang="0">
-                <a:pos x="connsiteX5" y="connsiteY5"/>
-              </a:cxn>
-              <a:cxn ang="0">
-                <a:pos x="connsiteX6" y="connsiteY6"/>
-              </a:cxn>
-              <a:cxn ang="0">
-                <a:pos x="connsiteX7" y="connsiteY7"/>
-              </a:cxn>
-              <a:cxn ang="0">
-                <a:pos x="connsiteX8" y="connsiteY8"/>
-              </a:cxn>
-              <a:cxn ang="0">
-                <a:pos x="connsiteX9" y="connsiteY9"/>
-              </a:cxn>
-              <a:cxn ang="0">
-                <a:pos x="connsiteX10" y="connsiteY10"/>
-              </a:cxn>
-              <a:cxn ang="0">
-                <a:pos x="connsiteX11" y="connsiteY11"/>
-              </a:cxn>
-              <a:cxn ang="0">
-                <a:pos x="connsiteX12" y="connsiteY12"/>
-              </a:cxn>
-              <a:cxn ang="0">
-                <a:pos x="connsiteX13" y="connsiteY13"/>
-              </a:cxn>
-              <a:cxn ang="0">
-                <a:pos x="connsiteX14" y="connsiteY14"/>
-              </a:cxn>
-              <a:cxn ang="0">
-                <a:pos x="connsiteX15" y="connsiteY15"/>
-              </a:cxn>
-              <a:cxn ang="0">
-                <a:pos x="connsiteX16" y="connsiteY16"/>
-              </a:cxn>
-              <a:cxn ang="0">
-                <a:pos x="connsiteX17" y="connsiteY17"/>
-              </a:cxn>
-              <a:cxn ang="0">
-                <a:pos x="connsiteX18" y="connsiteY18"/>
-              </a:cxn>
-            </a:cxnLst>
-            <a:rect l="l" t="t" r="r" b="b"/>
-            <a:pathLst>
-              <a:path w="5029200" h="18288" fill="none" extrusionOk="0">
-                <a:moveTo>
-                  <a:pt x="0" y="0"/>
-                </a:moveTo>
-                <a:cubicBezTo>
-                  <a:pt x="142937" y="1696"/>
-                  <a:pt x="371859" y="12840"/>
-                  <a:pt x="528066" y="0"/>
-                </a:cubicBezTo>
-                <a:cubicBezTo>
-                  <a:pt x="684273" y="-12840"/>
-                  <a:pt x="928949" y="-5725"/>
-                  <a:pt x="1207008" y="0"/>
-                </a:cubicBezTo>
-                <a:cubicBezTo>
-                  <a:pt x="1485067" y="5725"/>
-                  <a:pt x="1562886" y="-21331"/>
-                  <a:pt x="1785366" y="0"/>
-                </a:cubicBezTo>
-                <a:cubicBezTo>
-                  <a:pt x="2007846" y="21331"/>
-                  <a:pt x="2056226" y="25221"/>
-                  <a:pt x="2313432" y="0"/>
-                </a:cubicBezTo>
-                <a:cubicBezTo>
-                  <a:pt x="2570638" y="-25221"/>
-                  <a:pt x="2732455" y="16294"/>
-                  <a:pt x="2992374" y="0"/>
-                </a:cubicBezTo>
-                <a:cubicBezTo>
-                  <a:pt x="3252293" y="-16294"/>
-                  <a:pt x="3319267" y="-29774"/>
-                  <a:pt x="3621024" y="0"/>
-                </a:cubicBezTo>
-                <a:cubicBezTo>
-                  <a:pt x="3922781" y="29774"/>
-                  <a:pt x="3998107" y="-1004"/>
-                  <a:pt x="4249674" y="0"/>
-                </a:cubicBezTo>
-                <a:cubicBezTo>
-                  <a:pt x="4501241" y="1004"/>
-                  <a:pt x="4792523" y="-4510"/>
-                  <a:pt x="5029200" y="0"/>
-                </a:cubicBezTo>
-                <a:cubicBezTo>
-                  <a:pt x="5029730" y="6954"/>
-                  <a:pt x="5029934" y="12839"/>
-                  <a:pt x="5029200" y="18288"/>
-                </a:cubicBezTo>
-                <a:cubicBezTo>
-                  <a:pt x="4805432" y="23154"/>
-                  <a:pt x="4715801" y="17034"/>
-                  <a:pt x="4501134" y="18288"/>
-                </a:cubicBezTo>
-                <a:cubicBezTo>
-                  <a:pt x="4286467" y="19542"/>
-                  <a:pt x="4193719" y="41701"/>
-                  <a:pt x="4023360" y="18288"/>
-                </a:cubicBezTo>
-                <a:cubicBezTo>
-                  <a:pt x="3853001" y="-5125"/>
-                  <a:pt x="3676466" y="16909"/>
-                  <a:pt x="3344418" y="18288"/>
-                </a:cubicBezTo>
-                <a:cubicBezTo>
-                  <a:pt x="3012370" y="19667"/>
-                  <a:pt x="2945824" y="14410"/>
-                  <a:pt x="2816352" y="18288"/>
-                </a:cubicBezTo>
-                <a:cubicBezTo>
-                  <a:pt x="2686880" y="22166"/>
-                  <a:pt x="2438351" y="13507"/>
-                  <a:pt x="2137410" y="18288"/>
-                </a:cubicBezTo>
-                <a:cubicBezTo>
-                  <a:pt x="1836469" y="23069"/>
-                  <a:pt x="1581391" y="46111"/>
-                  <a:pt x="1408176" y="18288"/>
-                </a:cubicBezTo>
-                <a:cubicBezTo>
-                  <a:pt x="1234961" y="-9535"/>
-                  <a:pt x="1040489" y="-7495"/>
-                  <a:pt x="829818" y="18288"/>
-                </a:cubicBezTo>
-                <a:cubicBezTo>
-                  <a:pt x="619147" y="44071"/>
-                  <a:pt x="238626" y="37568"/>
-                  <a:pt x="0" y="18288"/>
-                </a:cubicBezTo>
-                <a:cubicBezTo>
-                  <a:pt x="-570" y="9279"/>
-                  <a:pt x="132" y="5100"/>
-                  <a:pt x="0" y="0"/>
-                </a:cubicBezTo>
-                <a:close/>
-              </a:path>
-              <a:path w="5029200" h="18288" stroke="0" extrusionOk="0">
-                <a:moveTo>
-                  <a:pt x="0" y="0"/>
-                </a:moveTo>
-                <a:cubicBezTo>
-                  <a:pt x="165412" y="-21137"/>
-                  <a:pt x="322344" y="-21985"/>
-                  <a:pt x="578358" y="0"/>
-                </a:cubicBezTo>
-                <a:cubicBezTo>
-                  <a:pt x="834372" y="21985"/>
-                  <a:pt x="907099" y="-19195"/>
-                  <a:pt x="1056132" y="0"/>
-                </a:cubicBezTo>
-                <a:cubicBezTo>
-                  <a:pt x="1205165" y="19195"/>
-                  <a:pt x="1612834" y="-24928"/>
-                  <a:pt x="1785366" y="0"/>
-                </a:cubicBezTo>
-                <a:cubicBezTo>
-                  <a:pt x="1957898" y="24928"/>
-                  <a:pt x="2149044" y="19108"/>
-                  <a:pt x="2363724" y="0"/>
-                </a:cubicBezTo>
-                <a:cubicBezTo>
-                  <a:pt x="2578404" y="-19108"/>
-                  <a:pt x="2759981" y="-21788"/>
-                  <a:pt x="2942082" y="0"/>
-                </a:cubicBezTo>
-                <a:cubicBezTo>
-                  <a:pt x="3124183" y="21788"/>
-                  <a:pt x="3482217" y="8836"/>
-                  <a:pt x="3671316" y="0"/>
-                </a:cubicBezTo>
-                <a:cubicBezTo>
-                  <a:pt x="3860415" y="-8836"/>
-                  <a:pt x="4058665" y="-25048"/>
-                  <a:pt x="4199382" y="0"/>
-                </a:cubicBezTo>
-                <a:cubicBezTo>
-                  <a:pt x="4340099" y="25048"/>
-                  <a:pt x="4735096" y="-22088"/>
-                  <a:pt x="5029200" y="0"/>
-                </a:cubicBezTo>
-                <a:cubicBezTo>
-                  <a:pt x="5028517" y="5414"/>
-                  <a:pt x="5028480" y="12510"/>
-                  <a:pt x="5029200" y="18288"/>
-                </a:cubicBezTo>
-                <a:cubicBezTo>
-                  <a:pt x="4891577" y="31493"/>
-                  <a:pt x="4684146" y="-2509"/>
-                  <a:pt x="4501134" y="18288"/>
-                </a:cubicBezTo>
-                <a:cubicBezTo>
-                  <a:pt x="4318122" y="39085"/>
-                  <a:pt x="4030703" y="3672"/>
-                  <a:pt x="3872484" y="18288"/>
-                </a:cubicBezTo>
-                <a:cubicBezTo>
-                  <a:pt x="3714265" y="32905"/>
-                  <a:pt x="3546134" y="7501"/>
-                  <a:pt x="3294126" y="18288"/>
-                </a:cubicBezTo>
-                <a:cubicBezTo>
-                  <a:pt x="3042118" y="29075"/>
-                  <a:pt x="2912116" y="11153"/>
-                  <a:pt x="2564892" y="18288"/>
-                </a:cubicBezTo>
-                <a:cubicBezTo>
-                  <a:pt x="2217668" y="25423"/>
-                  <a:pt x="2095118" y="11659"/>
-                  <a:pt x="1835658" y="18288"/>
-                </a:cubicBezTo>
-                <a:cubicBezTo>
-                  <a:pt x="1576198" y="24917"/>
-                  <a:pt x="1500897" y="19889"/>
-                  <a:pt x="1307592" y="18288"/>
-                </a:cubicBezTo>
-                <a:cubicBezTo>
-                  <a:pt x="1114287" y="16687"/>
-                  <a:pt x="961527" y="47453"/>
-                  <a:pt x="678942" y="18288"/>
-                </a:cubicBezTo>
-                <a:cubicBezTo>
-                  <a:pt x="396357" y="-10877"/>
-                  <a:pt x="271066" y="23005"/>
-                  <a:pt x="0" y="18288"/>
-                </a:cubicBezTo>
-                <a:cubicBezTo>
-                  <a:pt x="-306" y="11061"/>
-                  <a:pt x="-655" y="7751"/>
-                  <a:pt x="0" y="0"/>
-                </a:cubicBezTo>
-                <a:close/>
-              </a:path>
-            </a:pathLst>
-          </a:custGeom>
-          <a:solidFill>
-            <a:srgbClr val="FFFFFF"/>
-          </a:solidFill>
-          <a:ln w="38100" cap="rnd">
-            <a:solidFill>
-              <a:srgbClr val="FFFFFF"/>
-            </a:solidFill>
-            <a:round/>
-            <a:extLst>
-              <a:ext uri="{C807C97D-BFC1-408E-A445-0C87EB9F89A2}">
-                <ask:lineSketchStyleProps xmlns:ask="http://schemas.microsoft.com/office/drawing/2018/sketchyshapes" sd="1219033472">
-                  <a:prstGeom prst="rect">
-                    <a:avLst/>
-                  </a:prstGeom>
-                  <ask:type>
-                    <ask:lineSketchFreehand/>
-                  </ask:type>
-                </ask:lineSketchStyleProps>
-              </a:ext>
-            </a:extLst>
-          </a:ln>
-        </p:spPr>
-        <p:style>
-          <a:lnRef idx="2">
-            <a:schemeClr val="accent1">
-              <a:shade val="50000"/>
-            </a:schemeClr>
-          </a:lnRef>
-          <a:fillRef idx="1">
-            <a:schemeClr val="accent1"/>
-          </a:fillRef>
-          <a:effectRef idx="0">
-            <a:schemeClr val="accent1"/>
-          </a:effectRef>
-          <a:fontRef idx="minor">
-            <a:schemeClr val="lt1"/>
-          </a:fontRef>
-        </p:style>
-        <p:txBody>
-          <a:bodyPr rtlCol="0" anchor="ctr"/>
-          <a:lstStyle/>
-          <a:p>
-            <a:pPr algn="ctr"/>
-            <a:endParaRPr lang="en-US"/>
-          </a:p>
-        </p:txBody>
-      </p:sp>
-      <p:sp>
-        <p:nvSpPr>
-          <p:cNvPr id="3" name="Content Placeholder 2">
-            <a:extLst>
-              <a:ext uri="{FF2B5EF4-FFF2-40B4-BE49-F238E27FC236}">
-                <a16:creationId xmlns:a16="http://schemas.microsoft.com/office/drawing/2014/main" id="{1E04A83B-04F7-0EAC-693B-880737517D27}"/>
-              </a:ext>
-            </a:extLst>
-          </p:cNvPr>
-          <p:cNvSpPr>
-            <a:spLocks noGrp="1"/>
-          </p:cNvSpPr>
-          <p:nvPr>
-            <p:ph idx="1"/>
-          </p:nvPr>
-        </p:nvSpPr>
-        <p:spPr>
-          <a:xfrm>
-            <a:off x="5759354" y="2798064"/>
-            <a:ext cx="5461095" cy="3417611"/>
-          </a:xfrm>
-        </p:spPr>
-        <p:txBody>
-          <a:bodyPr anchor="t">
-            <a:normAutofit/>
-          </a:bodyPr>
-          <a:lstStyle/>
-          <a:p>
-            <a:pPr marL="0" indent="0">
-              <a:buNone/>
-            </a:pPr>
-            <a:r>
-              <a:rPr lang="en-US" sz="8800" b="1" dirty="0">
-                <a:solidFill>
-                  <a:srgbClr val="FFFFFF"/>
-                </a:solidFill>
-              </a:rPr>
-              <a:t>Thankyou</a:t>
-            </a:r>
-          </a:p>
-        </p:txBody>
-      </p:sp>
-    </p:spTree>
-    <p:extLst>
-      <p:ext uri="{BB962C8B-B14F-4D97-AF65-F5344CB8AC3E}">
-        <p14:creationId xmlns:p14="http://schemas.microsoft.com/office/powerpoint/2010/main" val="3657676489"/>
       </p:ext>
     </p:extLst>
   </p:cSld>
